--- a/lectures/lecture00.pptx
+++ b/lectures/lecture00.pptx
@@ -28183,7 +28183,7 @@
         <p:spPr>
           <a:xfrm>
             <a:off x="7892769" y="2935159"/>
-            <a:ext cx="1617751" cy="369332"/>
+            <a:ext cx="1651414" cy="369332"/>
           </a:xfrm>
           <a:prstGeom prst="rect">
             <a:avLst/>
@@ -28197,14 +28197,14 @@
           <a:lstStyle/>
           <a:p>
             <a:r>
-              <a:rPr lang="en-US" altLang="zh-CN" dirty="0" err="1">
+              <a:rPr lang="en-US" altLang="zh-CN" dirty="0">
                 <a:solidFill>
                   <a:srgbClr val="2CCBDE"/>
                 </a:solidFill>
                 <a:latin typeface="HYZhengYuan 35W" pitchFamily="18" charset="-122"/>
                 <a:ea typeface="HYZhengYuan 35W" pitchFamily="18" charset="-122"/>
               </a:rPr>
-              <a:t>Javascript</a:t>
+              <a:t>JavaScript</a:t>
             </a:r>
             <a:r>
               <a:rPr lang="ja-JP" altLang="en-US">
@@ -28647,7 +28647,7 @@
         <p:spPr>
           <a:xfrm>
             <a:off x="317717" y="5807865"/>
-            <a:ext cx="1383712" cy="369332"/>
+            <a:ext cx="1489510" cy="369332"/>
           </a:xfrm>
           <a:prstGeom prst="rect">
             <a:avLst/>
@@ -28668,7 +28668,27 @@
                 <a:latin typeface="HYZhengYuan 35W" pitchFamily="18" charset="-122"/>
                 <a:ea typeface="HYZhengYuan 35W" pitchFamily="18" charset="-122"/>
               </a:rPr>
-              <a:t>react-router</a:t>
+              <a:t>React</a:t>
+            </a:r>
+            <a:r>
+              <a:rPr lang="zh-CN" altLang="en-US" dirty="0">
+                <a:solidFill>
+                  <a:srgbClr val="E17079"/>
+                </a:solidFill>
+                <a:latin typeface="HYZhengYuan 35W" pitchFamily="18" charset="-122"/>
+                <a:ea typeface="HYZhengYuan 35W" pitchFamily="18" charset="-122"/>
+              </a:rPr>
+              <a:t> </a:t>
+            </a:r>
+            <a:r>
+              <a:rPr lang="en-US" altLang="zh-CN" dirty="0">
+                <a:solidFill>
+                  <a:srgbClr val="E17079"/>
+                </a:solidFill>
+                <a:latin typeface="HYZhengYuan 35W" pitchFamily="18" charset="-122"/>
+                <a:ea typeface="HYZhengYuan 35W" pitchFamily="18" charset="-122"/>
+              </a:rPr>
+              <a:t>Router</a:t>
             </a:r>
             <a:endParaRPr lang="en-US" dirty="0">
               <a:solidFill>
@@ -28694,8 +28714,8 @@
         </p:nvSpPr>
         <p:spPr>
           <a:xfrm>
-            <a:off x="2255544" y="5807865"/>
-            <a:ext cx="671979" cy="369332"/>
+            <a:off x="2163590" y="5807865"/>
+            <a:ext cx="696024" cy="369332"/>
           </a:xfrm>
           <a:prstGeom prst="rect">
             <a:avLst/>
@@ -28716,7 +28736,7 @@
                 <a:latin typeface="HYZhengYuan 35W" pitchFamily="18" charset="-122"/>
                 <a:ea typeface="HYZhengYuan 35W" pitchFamily="18" charset="-122"/>
               </a:rPr>
-              <a:t>axios</a:t>
+              <a:t>Axios</a:t>
             </a:r>
             <a:endParaRPr lang="en-US" dirty="0">
               <a:solidFill>
@@ -36749,7 +36769,7 @@
                 <a:latin typeface="HYZhengYuan 35W" pitchFamily="18" charset="-122"/>
                 <a:ea typeface="HYZhengYuan 35W" pitchFamily="18" charset="-122"/>
               </a:rPr>
-              <a:t>五大</a:t>
+              <a:t>四大</a:t>
             </a:r>
             <a:r>
               <a:rPr kumimoji="0" lang="ja-JP" altLang="en-US" sz="1800" b="0" i="0" u="none" strike="noStrike" kern="1200" cap="none" spc="0" normalizeH="0" baseline="0" noProof="0">
@@ -36894,26 +36914,6 @@
                 <a:ea typeface="HYZhengYuan 35W" pitchFamily="18" charset="-122"/>
               </a:rPr>
               <a:t>图片</a:t>
-            </a:r>
-            <a:r>
-              <a:rPr lang="zh-CN" altLang="en-US" dirty="0">
-                <a:solidFill>
-                  <a:prstClr val="white"/>
-                </a:solidFill>
-                <a:latin typeface="HYZhengYuan 35W" pitchFamily="18" charset="-122"/>
-                <a:ea typeface="HYZhengYuan 35W" pitchFamily="18" charset="-122"/>
-              </a:rPr>
-              <a:t>、</a:t>
-            </a:r>
-            <a:r>
-              <a:rPr lang="en-US" altLang="zh-CN" dirty="0">
-                <a:solidFill>
-                  <a:prstClr val="white"/>
-                </a:solidFill>
-                <a:latin typeface="HYZhengYuan 35W" pitchFamily="18" charset="-122"/>
-                <a:ea typeface="HYZhengYuan 35W" pitchFamily="18" charset="-122"/>
-              </a:rPr>
-              <a:t>radio</a:t>
             </a:r>
             <a:endParaRPr kumimoji="0" lang="en-US" altLang="zh-CN" sz="1800" b="0" i="0" u="none" strike="noStrike" kern="1200" cap="none" spc="0" normalizeH="0" baseline="0" noProof="0" dirty="0">
               <a:ln>
@@ -37279,7 +37279,7 @@
               <a:t>使用</a:t>
             </a:r>
             <a:r>
-              <a:rPr kumimoji="0" lang="en-US" altLang="zh-CN" sz="1800" b="0" i="0" u="none" strike="noStrike" kern="1200" cap="none" spc="0" normalizeH="0" baseline="0" noProof="0" dirty="0" err="1">
+              <a:rPr kumimoji="0" lang="en-US" altLang="zh-CN" sz="1800" b="0" i="0" u="none" strike="noStrike" kern="1200" cap="none" spc="0" normalizeH="0" baseline="0" noProof="0" dirty="0">
                 <a:ln>
                   <a:noFill/>
                 </a:ln>
@@ -37292,7 +37292,7 @@
                 <a:latin typeface="HYZhengYuan 35W" pitchFamily="18" charset="-122"/>
                 <a:ea typeface="HYZhengYuan 35W" pitchFamily="18" charset="-122"/>
               </a:rPr>
-              <a:t>Github</a:t>
+              <a:t>GitHub</a:t>
             </a:r>
             <a:r>
               <a:rPr kumimoji="0" lang="ja-JP" altLang="en-US" sz="1800" b="0" i="0" u="none" strike="noStrike" kern="1200" cap="none" spc="0" normalizeH="0" baseline="0" noProof="0">

--- a/lectures/lecture00.pptx
+++ b/lectures/lecture00.pptx
@@ -226,10 +226,10 @@
     </inkml:brush>
   </inkml:definitions>
   <inkml:trace contextRef="#ctx0" brushRef="#br0">1227 1378 16383,'33'-28'0,"-7"3"0,-7 12 0,-7-5 0,7-2 0,1-7 0,6 1 0,1 0 0,16-11 0,-2-9 0,13-3 0,-7-6 0,-1 9 0,-2 8 0,-7 3 0,-9 8 0,-10 7 0,-5 1 0,13 0 0,-11-2 0,18 0 0,-19-4 0,11 4 0,4-14 0,8-2 0,0 0 0,5 1 0,-4-8 0,7 4 0,-6 0 0,-5 6 0,-7 14 0,-1-1 0,-6 2 0,12-1 0,-10 0 0,5-1 0,-2 2 0,-12 7 0,6-1 0,-7 1 0,0 5 0,0 1 0,-5 1 0,3 4 0,-3-10 0,0 4 0,4 0 0,-5-4 0,7 10 0,-1-10 0,0 4 0,6-6 0,-4 1 0,4-1 0,1 1 0,-6-1 0,6 6 0,-7-4 0,0 10 0,-5-10 0,3 9 0,-3-8 0,0 3 0,4 0 0,-5-4 0,7 4 0,-7-5 0,-19 5 0,-11 2 0,-19 5 0,-17 0 0,-4 0 0,-1 6 0,-12 3 0,22 6 0,-15 0 0,-10 1 0,29-1 0,-17 0 0,32-1 0,1 0 0,8-7 0,2 5 0,11-10 0,1 9 0,2-10 0,-2 10 0,-7-3 0,0-1 0,-5 5 0,11-6 0,-5 2 0,7 2 0,0-8 0,0 8 0,53-8 0,1 3 0,42-5 0,-4 0 0,2 0 0,2 0 0,7-7 0,-9 5 0,-10-12 0,-2 12 0,-24-10 0,3 10 0,-28-4 0,5 1 0,-14 3 0,0-3 0,0 5 0,-5-5 0,-30 20 0,4 3 0,-18 15 0,11 1 0,10 0 0,-3-6 0,6-1 0,0-2 0,0-12 0,1 6 0,5-7 0,1 0 0,1-5 0,-2 3 0,-5-3 0,5 5 0,-10 1 0,8 5 0,-4 3 0,1 5 0,5-6 0,-14 20 0,12-9 0,-11 20 0,13-16 0,-1 6 0,-4-13 0,11 6 0,-5-14 0,1-2 0,3-6 0,-3 0 0,21-38 0,-12 18 0,17-31 0,-19 26 0,9-12 0,-2-13 0,5-15 0,1 0 0,7-6 0,-6 6 0,16-38 0,-15 31 0,8-30 0,-11 46 0,1-7 0,-2 15 0,0 9 0,0 8 0,-6 7 0,-2 0 0,0 5 0,2 1 0</inkml:trace>
-  <inkml:trace contextRef="#ctx0" brushRef="#br0" timeOffset="567635">1351 2419 16383,'33'0'0,"-2"0"0,-4 5 0,-7 2 0,-2 12 0,1-5 0,-5 5 0,5-7 0,-7-5 0,-6 4 0,5-10 0,-4 10 0,5-4 0,6 5 0,2 1 0,7 0 0,-1 0 0,0 0 0,0 0 0,1 1 0,-7-2 0,4 1 0,-4 0 0,0 0 0,5 0 0,-5-1 0,6 1 0,8 1 0,-6 5 0,5-4 0,-6 10 0,-1-10 0,-6 3 0,-2-5 0,-6-1 0,0 0 0,1-5 0,-1-2 0,0 0 0,6 8 0,3 15 0,13 1 0,12 22 0,2-3 0,5 1 0,-5 12 0,-4-29 0,-12 6 0,8-4 0,-18-12 0,7 7 0,-11-11 0,-6-6 0,1 1 0,-1-7 0,0 5 0,0-4 0,0 5 0,6 0 0,2 7 0,0-5 0,5 5 0,-5-1 0,6-3 0,-6 4 0,-1-7 0,-7 0 0,0 0 0,0-5 0,-5 4 0,-2-4 0,-21-1 0,6 0 0,-27-6 0,8 0 0,-6 0 0,1 0 0,8 0 0,-1 0 0,1 0 0,6 0 0,1 0 0,7 0 0,-7 0 0,-1 0 0,0 0 0,-5 0 0,12 0 0,-12 0 0,11 0 0,-5 0 0,7 0 0,0 0 0,0 0 0,-1 0 0,1-6 0,0 5 0,-1-5 0,1 6 0,0 0 0,0 0 0,-1-5 0,-5 4 0,-9-11 0,-2 10 0,2-10 0,2 11 0,11-4 0,-4 5 0,5 0 0,7-6 0,-5 5 0,48-5 0,-5 6 0,32 0 0,-13 0 0,-16 6 0,-1-4 0,-14 9 0,4-10 0,-10 5 0,4-6 0,-5 0 0,-1 5 0,0-4 0,0 5 0,0-6 0,0 5 0,0-4 0,0 5 0,0-6 0,1 0 0,-1 0 0,0 0 0,0 0 0,0 0 0,0 0 0,0 0 0,0 0 0,0 0 0,1 0 0,-1 0 0,0 0 0,0 0 0,0 0 0,0 0 0,0 0 0,0 0 0,0 0 0,1 0 0,-1 0 0,0 0 0,0 0 0,6 0 0,-4 0 0,4 0 0,-6 0 0,1 0 0,-7-6 0,0-6 0,-6-2 0,0-3 0,0 5 0,0-1 0,0 1 0,0 0 0,0-1 0,0 1 0,0 0 0,0-22 0,0-14 0,0-16 0,0-6 0,0 9 0,0 8 0,0 2 0,0 15 0,0 3 0,0 6 0,0 7 0,0 2 0,0 5 0,0 1 0,0 0 0,0 0 0,0-1 0,0 1 0,0 0 0,0 0 0,0-1 0,0 1 0,0 5 0,0 2 0</inkml:trace>
-  <inkml:trace contextRef="#ctx0" brushRef="#br0" timeOffset="571834">4173 4307 16383,'0'51'0,"0"-6"0,0 14 0,0-22 0,0 12 0,0-14 0,0 1 0,0-3 0,0-7 0,0-6 0,0 12 0,0 15 0,0 0 0,0 12 0,0-16 0,0 27 0,0 29 0,0 1 0,0-3 0,0-20 0,0-30 0,0 13 0,0-25 0,0 6 0,0-19 0,0 3 0,0-12 0,0-1 0,0 0 0,0 6 0,0 18 0,0 1 0,0 22 0,0-14 0,0 5 0,0-14 0,0-3 0,0-6 0,0-8 0,0 0 0,0-7 0,0 0 0,0 0 0,0 14 0,0 3 0,0 14 0,0-1 0,0-7 0,0-1 0,0-8 0,0-6 0,0-1 0,0-7 0,0 0 0,0 0 0,0 6 0,0 2 0,0 14 0,0 1 0,0 1 0,-6-3 0,5-13 0,-5 5 0,6-12 0,0 6 0,0-7 0,0 0 0,0 0 0,0 0 0,0 14 0,0-4 0,0 11 0,0-6 0,0-1 0,0 0 0,0-6 0,0-2 0,0-5 0,0-1 0,-12-11 0,4-8 0,-6-7 0,-4-17 0,3 2 0,-13-7 0,1 3 0,6 6 0,-4 1 0,10 0 0,-3 5 0,5 3 0,1 11 0,5-4 0,-4 4 0,-11-20 0,-1-2 0,-12-8 0,8 3 0,0 8 0,7 6 0,1-5 0,7 11 0,-1-5 0,1 7 0,10 5 0,21 24 0,3 1 0,15 19 0,-17-17 0,5 4 0,-11-10 0,4 4 0,0 1 0,-4-5 0,5 10 0,-7-10 0,1 4 0,-1-6 0,0 0 0,0 1 0,0-7 0,0 5 0,0-4 0,1 5 0,-1 0 0,-6 0 0,5 0 0,-4-5 0,0 4 0,3-10 0,-8 10 0,9-10 0,-10 10 0,4-4 0,1-1 0,-5 5 0,15-4 0,-8 5 0,10 0 0,-12 0 0,6 7 0,-5 1 0,6 6 0,0 0 0,6 0 0,-5-6 0,5-1 0,-7-7 0,-5 0 0,-2 0 0,-5 0 0,6-45 0,7 17 0,7-33 0,7 24 0,6 4 0,-5-6 0,6 0 0,-8 0 0,-6 7 0,5 1 0,-12 7 0,12-7 0,-11 5 0,10-11 0,-10 11 0,11-5 0,-12 7 0,6-1 0,-7 1 0,1-6 0,-1 4 0,0-5 0,7 6 0,-6 1 0,6-1 0,-7 7 0,0-5 0,0 9 0,-5-9 0,4 10 0,-5-4 0</inkml:trace>
-  <inkml:trace contextRef="#ctx0" brushRef="#br0" timeOffset="987233">1865 1785 16383,'32'0'0,"16"0"0,-11 0 0,31 0 0,-21 0 0,21 0 0,-23 0 0,-2 0 0,-2 0 0,-13 0 0,5 0 0,-13 0 0,-1 0 0,-7 0 0,0 0 0,14 0 0,3 0 0,13 0 0,9 0 0,2 0 0,8 0 0,0 0 0,0 0 0,-8 0 0,-2 0 0,-16 0 0,-2 0 0,-13 0 0,-1 0 0,6-7 0,5 6 0,29-6 0,-12 7 0,30 0 0,-2 0 0,8 0 0,9 0 0,-11 0 0,1 0 0,-10 0 0,7 0 0,-16 0 0,8 0 0,-10 0 0,0 0 0,9 0 0,-7 0 0,16 0 0,-16 0 0,7 0 0,-9 0 0,-8 0 0,-2 0 0,-16 0 0,-1 0 0,-14 0 0,-2 0 0,-6 0 0,0 0 0,0 0 0,1 0 0,-1 0 0,6 0 0,-4 0 0,10 0 0,-4 0 0,0 0 0,-1 0 0,-7 0 0,14 0 0,-5 0 0,13 0 0,-8 0 0,-6 0 0,5 0 0,-11 0 0,4 0 0,-6 0 0,0 0 0,0 0 0,7 0 0,-6 0 0,12 0 0,-11 0 0,4 0 0,-6 0 0,0 0 0,0 0 0,1 0 0,-1 0 0,0 0 0,0 0 0,0 0 0,0 0 0,0 0 0,0 0 0,0 0 0,-5-5 0,4 4 0,-4-5 0,-33 6 0,17 0 0,-30 0 0,-25-16 0,17-2 0,-44-9 0,45 6 0,-11 6 0,19-5 0,-5 4 0,9 2 0,14 3 0,1 9 0,7-3 0,5-1 0,-17 5 0,-8-4 0,-13-8 0,-6 10 0,16-16 0,-6 18 0,19-11 0,-10 11 0,18-4 0,-5 5 0,13-6 0,0-1 0,36 0 0,4 2 0,22 5 0,3 0 0,-6 7 0,8 1 0,-9 7 0,-1 0 0,-16-2 0,-1 1 0,-8-1 0,-6-6 0,-1-1 0,-13-1 0,5-3 0,-4 3 0,0 1 0,3-5 0,3 4 0,1 1 0,11-5 0,-12 10 0,12-10 0,-5 5 0,0-1 0,5-4 0,-12 5 0,6-1 0,-7-4 0,0 5 0,-5-1 0,-2 2 0,6 5 0,-3-5 0,10 3 0,-6-8 0,0 9 0,0-10 0,-5 10 0,3-10 0,-3 10 0,0-4 0,-2 5 0,-10 0 0,-2 0 0,-5-5 0,-7 4 0,-1-4 0,-6 12 0,-1-4 0,1 4 0,-27 19 0,19-13 0,-19 20 0,19-18 0,6 0 0,-5-6 0,12-2 0,3-7 0,6 1 0,-1-1 0,1-6 0,0 0 0,0-6 0,-1 0 0,-5 6 0,-2 1 0,-7 6 0,7 0 0,-5 0 0,12-6 0,-6 4 0,7-10 0,5 10 0,-4-10 0,4 5 0,-5-6 0</inkml:trace>
-  <inkml:trace contextRef="#ctx0" brushRef="#br0" timeOffset="1.23894E6">3246 4415 16383,'-50'19'0,"-3"3"0,18-1 0,-9 13 0,1-10 0,-2 12 0,3-7 0,-1-1 0,-1 8 0,1-6 0,-1 6 0,0 0 0,0-5 0,-1 12 0,1-5 0,-2 8 0,1-8 0,7 4 0,-3-12 0,12 4 0,-12-6 0,12 6 0,-5-5 0,0 5 0,5-7 0,-13 8 0,14-6 0,-16 14 0,8-13 0,-1 5 0,-5 1 0,6-7 0,-1 6 0,-5 1 0,6-7 0,-8 7 0,-9 2 0,8-8 0,-8 8 0,11-10 0,-11 9 0,8-6 0,-16 7 0,16-9 0,-7 8 0,0-6 0,6 5 0,-5-6 0,8-2 0,-7 1 0,5 0 0,-6 0 0,-2 9 0,8-8 0,-8 8 0,0-1 0,8-6 0,-8 6 0,1 1 0,6-8 0,-8 15 0,11-14 0,6 4 0,4-14 0,6 4 0,7-11 0,2 4 0,11-5 0,-4-1 0,10 0 0,-17 0 0,4 7 0,-13 1 0,1 7 0,-1 6 0,0-5 0,6-1 0,2-2 0,7-11 0,-1 4 0,6-6 0,2 0 0,5 0 0,-6-5 0,-1 4 0,-5-4 0,-7 11 0,5 2 0,-4 0 0,5-2 0,1-5 0,-1-1 0,7 0 0,-5-6 0,9-27 0,-3 8 0,5-27 0,0 26 0,0-4 0,0 5 0,6-12 0,2-13 0,7-7 0,1-33 0,6 11 0,-9 17 0,1-1 0,17-16 0,2-20 0,-10 32 0,6-16 0,-13 26 0,5 3 0,-8 15 0,0 7 0,-6 2 0,-1 16 0,-6 25 0,0 1 0,-13 25 0,3-14 0,-11 16 0,7-6 0,6 5 0,-13 10 0,10 4 0,-11-7 0,7 1 0,7-30 0,-4 6 0,10-14 0,-9-2 0,10-6 0,-5 0 0,6 1 0,0-1 0,0 0 0,0 0 0,6-5 0,7-2 0,22-5 0,10 0 0,16 0 0,0 7 0,10 2 0,1 6 0,9-6 0,-17 5 0,4-13 0,-23 6 0,6-7 0,-8 0 0,-1 0 0,-13 0 0,3 0 0,-18 0 0,4 0 0,-6 0 0,0 0 0,1 0 0,-7 5 0,0 2 0</inkml:trace>
+  <inkml:trace contextRef="#ctx0" brushRef="#br0" timeOffset="138138.27">1351 2419 16383,'33'0'0,"-2"0"0,-4 5 0,-7 2 0,-2 12 0,1-5 0,-5 5 0,5-7 0,-7-5 0,-6 4 0,5-10 0,-4 10 0,5-4 0,6 5 0,2 1 0,7 0 0,-1 0 0,0 0 0,0 0 0,1 1 0,-7-2 0,4 1 0,-4 0 0,0 0 0,5 0 0,-5-1 0,6 1 0,8 1 0,-6 5 0,5-4 0,-6 10 0,-1-10 0,-6 3 0,-2-5 0,-6-1 0,0 0 0,1-5 0,-1-2 0,0 0 0,6 8 0,3 15 0,13 1 0,12 22 0,2-3 0,5 1 0,-5 12 0,-4-29 0,-12 6 0,8-4 0,-18-12 0,7 7 0,-11-11 0,-6-6 0,1 1 0,-1-7 0,0 5 0,0-4 0,0 5 0,6 0 0,2 7 0,0-5 0,5 5 0,-5-1 0,6-3 0,-6 4 0,-1-7 0,-7 0 0,0 0 0,0-5 0,-5 4 0,-2-4 0,-21-1 0,6 0 0,-27-6 0,8 0 0,-6 0 0,1 0 0,8 0 0,-1 0 0,1 0 0,6 0 0,1 0 0,7 0 0,-7 0 0,-1 0 0,0 0 0,-5 0 0,12 0 0,-12 0 0,11 0 0,-5 0 0,7 0 0,0 0 0,0 0 0,-1 0 0,1-6 0,0 5 0,-1-5 0,1 6 0,0 0 0,0 0 0,-1-5 0,-5 4 0,-9-11 0,-2 10 0,2-10 0,2 11 0,11-4 0,-4 5 0,5 0 0,7-6 0,-5 5 0,48-5 0,-5 6 0,32 0 0,-13 0 0,-16 6 0,-1-4 0,-14 9 0,4-10 0,-10 5 0,4-6 0,-5 0 0,-1 5 0,0-4 0,0 5 0,0-6 0,0 5 0,0-4 0,0 5 0,0-6 0,1 0 0,-1 0 0,0 0 0,0 0 0,0 0 0,0 0 0,0 0 0,0 0 0,0 0 0,1 0 0,-1 0 0,0 0 0,0 0 0,0 0 0,0 0 0,0 0 0,0 0 0,0 0 0,1 0 0,-1 0 0,0 0 0,0 0 0,6 0 0,-4 0 0,4 0 0,-6 0 0,1 0 0,-7-6 0,0-6 0,-6-2 0,0-3 0,0 5 0,0-1 0,0 1 0,0 0 0,0-1 0,0 1 0,0 0 0,0-22 0,0-14 0,0-16 0,0-6 0,0 9 0,0 8 0,0 2 0,0 15 0,0 3 0,0 6 0,0 7 0,0 2 0,0 5 0,0 1 0,0 0 0,0 0 0,0-1 0,0 1 0,0 0 0,0 0 0,0-1 0,0 1 0,0 5 0,0 2 0</inkml:trace>
+  <inkml:trace contextRef="#ctx0" brushRef="#br0" timeOffset="142337.27">4173 4307 16383,'0'51'0,"0"-6"0,0 14 0,0-22 0,0 12 0,0-14 0,0 1 0,0-3 0,0-7 0,0-6 0,0 12 0,0 15 0,0 0 0,0 12 0,0-16 0,0 27 0,0 29 0,0 1 0,0-3 0,0-20 0,0-30 0,0 13 0,0-25 0,0 6 0,0-19 0,0 3 0,0-12 0,0-1 0,0 0 0,0 6 0,0 18 0,0 1 0,0 22 0,0-14 0,0 5 0,0-14 0,0-3 0,0-6 0,0-8 0,0 0 0,0-7 0,0 0 0,0 0 0,0 14 0,0 3 0,0 14 0,0-1 0,0-7 0,0-1 0,0-8 0,0-6 0,0-1 0,0-7 0,0 0 0,0 0 0,0 6 0,0 2 0,0 14 0,0 1 0,0 1 0,-6-3 0,5-13 0,-5 5 0,6-12 0,0 6 0,0-7 0,0 0 0,0 0 0,0 0 0,0 14 0,0-4 0,0 11 0,0-6 0,0-1 0,0 0 0,0-6 0,0-2 0,0-5 0,0-1 0,-12-11 0,4-8 0,-6-7 0,-4-17 0,3 2 0,-13-7 0,1 3 0,6 6 0,-4 1 0,10 0 0,-3 5 0,5 3 0,1 11 0,5-4 0,-4 4 0,-11-20 0,-1-2 0,-12-8 0,8 3 0,0 8 0,7 6 0,1-5 0,7 11 0,-1-5 0,1 7 0,10 5 0,21 24 0,3 1 0,15 19 0,-17-17 0,5 4 0,-11-10 0,4 4 0,0 1 0,-4-5 0,5 10 0,-7-10 0,1 4 0,-1-6 0,0 0 0,0 1 0,0-7 0,0 5 0,0-4 0,1 5 0,-1 0 0,-6 0 0,5 0 0,-4-5 0,0 4 0,3-10 0,-8 10 0,9-10 0,-10 10 0,4-4 0,1-1 0,-5 5 0,15-4 0,-8 5 0,10 0 0,-12 0 0,6 7 0,-5 1 0,6 6 0,0 0 0,6 0 0,-5-6 0,5-1 0,-7-7 0,-5 0 0,-2 0 0,-5 0 0,6-45 0,7 17 0,7-33 0,7 24 0,6 4 0,-5-6 0,6 0 0,-8 0 0,-6 7 0,5 1 0,-12 7 0,12-7 0,-11 5 0,10-11 0,-10 11 0,11-5 0,-12 7 0,6-1 0,-7 1 0,1-6 0,-1 4 0,0-5 0,7 6 0,-6 1 0,6-1 0,-7 7 0,0-5 0,0 9 0,-5-9 0,4 10 0,-5-4 0</inkml:trace>
+  <inkml:trace contextRef="#ctx0" brushRef="#br0" timeOffset="128239.54">1865 1785 16383,'32'0'0,"16"0"0,-11 0 0,31 0 0,-21 0 0,21 0 0,-23 0 0,-2 0 0,-2 0 0,-13 0 0,5 0 0,-13 0 0,-1 0 0,-7 0 0,0 0 0,14 0 0,3 0 0,13 0 0,9 0 0,2 0 0,8 0 0,0 0 0,0 0 0,-8 0 0,-2 0 0,-16 0 0,-2 0 0,-13 0 0,-1 0 0,6-7 0,5 6 0,29-6 0,-12 7 0,30 0 0,-2 0 0,8 0 0,9 0 0,-11 0 0,1 0 0,-10 0 0,7 0 0,-16 0 0,8 0 0,-10 0 0,0 0 0,9 0 0,-7 0 0,16 0 0,-16 0 0,7 0 0,-9 0 0,-8 0 0,-2 0 0,-16 0 0,-1 0 0,-14 0 0,-2 0 0,-6 0 0,0 0 0,0 0 0,1 0 0,-1 0 0,6 0 0,-4 0 0,10 0 0,-4 0 0,0 0 0,-1 0 0,-7 0 0,14 0 0,-5 0 0,13 0 0,-8 0 0,-6 0 0,5 0 0,-11 0 0,4 0 0,-6 0 0,0 0 0,0 0 0,7 0 0,-6 0 0,12 0 0,-11 0 0,4 0 0,-6 0 0,0 0 0,0 0 0,1 0 0,-1 0 0,0 0 0,0 0 0,0 0 0,0 0 0,0 0 0,0 0 0,0 0 0,-5-5 0,4 4 0,-4-5 0,-33 6 0,17 0 0,-30 0 0,-25-16 0,17-2 0,-44-9 0,45 6 0,-11 6 0,19-5 0,-5 4 0,9 2 0,14 3 0,1 9 0,7-3 0,5-1 0,-17 5 0,-8-4 0,-13-8 0,-6 10 0,16-16 0,-6 18 0,19-11 0,-10 11 0,18-4 0,-5 5 0,13-6 0,0-1 0,36 0 0,4 2 0,22 5 0,3 0 0,-6 7 0,8 1 0,-9 7 0,-1 0 0,-16-2 0,-1 1 0,-8-1 0,-6-6 0,-1-1 0,-13-1 0,5-3 0,-4 3 0,0 1 0,3-5 0,3 4 0,1 1 0,11-5 0,-12 10 0,12-10 0,-5 5 0,0-1 0,5-4 0,-12 5 0,6-1 0,-7-4 0,0 5 0,-5-1 0,-2 2 0,6 5 0,-3-5 0,10 3 0,-6-8 0,0 9 0,0-10 0,-5 10 0,3-10 0,-3 10 0,0-4 0,-2 5 0,-10 0 0,-2 0 0,-5-5 0,-7 4 0,-1-4 0,-6 12 0,-1-4 0,1 4 0,-27 19 0,19-13 0,-19 20 0,19-18 0,6 0 0,-5-6 0,12-2 0,3-7 0,6 1 0,-1-1 0,1-6 0,0 0 0,0-6 0,-1 0 0,-5 6 0,-2 1 0,-7 6 0,7 0 0,-5 0 0,12-6 0,-6 4 0,7-10 0,5 10 0,-4-10 0,4 5 0,-5-6 0</inkml:trace>
+  <inkml:trace contextRef="#ctx0" brushRef="#br0" timeOffset="-49550.189">3246 4415 16383,'-50'19'0,"-3"3"0,18-1 0,-9 13 0,1-10 0,-2 12 0,3-7 0,-1-1 0,-1 8 0,1-6 0,-1 6 0,0 0 0,0-5 0,-1 12 0,1-5 0,-2 8 0,1-8 0,7 4 0,-3-12 0,12 4 0,-12-6 0,12 6 0,-5-5 0,0 5 0,5-7 0,-13 8 0,14-6 0,-16 14 0,8-13 0,-1 5 0,-5 1 0,6-7 0,-1 6 0,-5 1 0,6-7 0,-8 7 0,-9 2 0,8-8 0,-8 8 0,11-10 0,-11 9 0,8-6 0,-16 7 0,16-9 0,-7 8 0,0-6 0,6 5 0,-5-6 0,8-2 0,-7 1 0,5 0 0,-6 0 0,-2 9 0,8-8 0,-8 8 0,0-1 0,8-6 0,-8 6 0,1 1 0,6-8 0,-8 15 0,11-14 0,6 4 0,4-14 0,6 4 0,7-11 0,2 4 0,11-5 0,-4-1 0,10 0 0,-17 0 0,4 7 0,-13 1 0,1 7 0,-1 6 0,0-5 0,6-1 0,2-2 0,7-11 0,-1 4 0,6-6 0,2 0 0,5 0 0,-6-5 0,-1 4 0,-5-4 0,-7 11 0,5 2 0,-4 0 0,5-2 0,1-5 0,-1-1 0,7 0 0,-5-6 0,9-27 0,-3 8 0,5-27 0,0 26 0,0-4 0,0 5 0,6-12 0,2-13 0,7-7 0,1-33 0,6 11 0,-9 17 0,1-1 0,17-16 0,2-20 0,-10 32 0,6-16 0,-13 26 0,5 3 0,-8 15 0,0 7 0,-6 2 0,-1 16 0,-6 25 0,0 1 0,-13 25 0,3-14 0,-11 16 0,7-6 0,6 5 0,-13 10 0,10 4 0,-11-7 0,7 1 0,7-30 0,-4 6 0,10-14 0,-9-2 0,10-6 0,-5 0 0,6 1 0,0-1 0,0 0 0,0 0 0,6-5 0,7-2 0,22-5 0,10 0 0,16 0 0,0 7 0,10 2 0,1 6 0,9-6 0,-17 5 0,4-13 0,-23 6 0,6-7 0,-8 0 0,-1 0 0,-13 0 0,3 0 0,-18 0 0,4 0 0,-6 0 0,0 0 0,1 0 0,-7 5 0,0 2 0</inkml:trace>
 </inkml:ink>
 </file>
 
@@ -260,22 +260,22 @@
   </inkml:definitions>
   <inkml:trace contextRef="#ctx0" brushRef="#br0">7624 6240 16383,'-47'-36'0,"-10"4"0,15-19 0,-26 8 0,8-13 0,19 26 0,0 2 0,-17-14 0,-4-5 0,9 9 0,0 7 0,-12-16 0,3 14 0,15-4 0,-2 8 0,20 2 0,-12-1 0,13 7 0,-6-5 0,14 12 0,-4-5 0,10 7 0,-11-1 0,11 0 0,-5 0 0,13 1 0,-5 5 0,9-4 0,-8 10 0,3-10 0,-6 4 0,-5-11 0,4 4 0,-5-11 0,0 11 0,11-5 0,-16 0 0,2-2 0,-6-5 0,-6-2 0,1 1 0,4 0 0,-4 0 0,6 1 0,1 5 0,6 2 0,-5 0 0,11 11 0,-11-10 0,11 11 0,-4-5 0,-1-1 0,-1 6 0,0-4 0,-5 3 0,5-10 0,-6 3 0,-1 2 0,7 1 0,2 6 0,5-1 0,1-4 0,0 10 0,5 1 0,2 12 0,5 7 0,0 14 0,5-5 0,3 13 0,12-6 0,-4 8 0,4-1 0,-6-6 0,0-3 0,-1-6 0,0-1 0,0-6 0,-1-2 0,-5-6 0,-2 0 0,1-5 0,-17-36 0,7 2 0,-22-32 0,10 17 0,-4-1 0,-1 0 0,5 0 0,-4 8 0,12 1 0,-3 14 0,10 2 0,-10 5 0,9 1 0,-3-6 0,10 9 0,2-3 0,5 12 0,7 0 0,8 0 0,8 0 0,8 0 0,8 0 0,-7 0 0,7 0 0,-8 0 0,-1 0 0,-6 0 0,-3 0 0,-13 0 0,5 0 0,-12 0 0,6 0 0,-7 0 0,0 0 0,0 0 0,0 0 0,0 0 0,0 0 0,1 0 0,-1 0 0,0 0 0,0 0 0,0 0 0,0 0 0,0 0 0,-5 0 0,-2 0 0</inkml:trace>
   <inkml:trace contextRef="#ctx0" brushRef="#br0" timeOffset="2970">7382 7104 16383,'-28'34'0,"-4"5"0,12-11 0,-8 0 0,2-3 0,-1 2 0,-7 2 0,4 12 0,-11-11 0,10 11 0,-10-11 0,5 5 0,0 0 0,2-12 0,-1 10 0,6-5 0,-12 2 0,12 3 0,-5-6 0,0 1 0,5 5 0,-12-3 0,12 4 0,-13 2 0,13-8 0,-13 8 0,5-1 0,1-6 0,-6 7 0,6-8 0,-7 0 0,1 0 0,-1 1 0,0-1 0,-10 9 0,8-6 0,-8 6 0,11-8 0,-9 0 0,6 0 0,1-1 0,3-6 0,6 4 0,-1-11 0,3 5 0,6-1 0,1-5 0,0 5 0,-1 0 0,1-4 0,-1 10 0,1-11 0,-1 11 0,1-10 0,6 3 0,1-5 0,7-1 0,0 0 0,0 0 0,5-11 0,1-21 0,6-11 0,0-17 0,8-12 0,7 5 0,10-24 0,-2 23 0,8-21 0,-9 30 0,3-21 0,1 30 0,-11-4 0,4 16 0,-6 6 0,-1 7 0,-5 2 0,-1 4 0,-1 0 0,-4 30 0,-1-5 0,-2 32 0,-10-15 0,4 8 0,-7 8 0,1-7 0,-1 7 0,1-8 0,0-1 0,0-6 0,6-3 0,2-13 0,6-1 0,0-7 0,-5 0 0,3 0 0,-3 0 0,-1 0 0,-1 0 0,1 7 0,-5-6 0,4 6 0,0-1 0,-4-4 0,10 4 0,-5-6 0,18-5 0,10-2 0,21-5 0,19 0 0,11 0 0,18 16 0,-16-6 0,-26 2 0,1 1 0,35 3 0,9 1 0,-12-1 0,-12 0 0,-17-1 0,-2-1 0,-16-6 0,-8-2 0,-8-6 0,-7 0 0,0 0 0,-5 6 0,-2 1 0</inkml:trace>
-  <inkml:trace contextRef="#ctx0" brushRef="#br0" timeOffset="-609309">14758 5613 16383,'0'-48'0,"0"0"0,0 6 0,0-1 0,0 0 0,0-8 0,0 6 0,0 2 0,0 2 0,0 5 0,0-6 0,0 6 0,0-5 0,0 6 0,0 5 0,0-2 0,0 12 0,0 0 0,0 2 0,0 5 0,0 1 0,0 0 0,0 0 0,0-7 0,0-8 0,0-2 0,0-20 0,0 12 0,0-22 0,0 6 0,0-8 0,0 8 0,0 2 0,0 15 0,0 9 0,0 2 0,0 11 0,0-4 0,0-1 0,0-1 0,0-7 0,0 1 0,0 0 0,0 6 0,0-21 0,0 17 0,0-18 0,0 16 0,0 0 0,0 5 0,0 3 0,0 6 0,0-1 0,0 1 0,0-6 0,0-2 0,0-1 0,0-3 0,0 3 0,0 1 0,0 2 0,0-1 0,0-1 0,0-6 0,0 6 0,0 1 0,0 7 0,0 0 0,0-1 0,0 6 0,0 2 0</inkml:trace>
-  <inkml:trace contextRef="#ctx0" brushRef="#br0" timeOffset="-605255">14720 3678 16383,'0'47'0,"0"-14"0,-6-1 0,-2-12 0,1 6 0,-5 0 0,11 1 0,-11-7 0,11-2 0,-10 0 0,9-4 0,-4 5 0,1-7 0,4 0 0,-5 0 0,6 0 0,0 0 0,-12 1 0,9-1 0,-8 0 0,11 7 0,0 1 0,0 0 0,-6 4 0,4-4 0,-10 7 0,11-1 0,-10-6 0,9-2 0,-9-6 0,10 1 0,-4-1 0,-1 0 0,5 0 0,-5 0 0,1 0 0,4 0 0,-5 0 0,1 0 0,-2 1 0,0-1 0,-4 0 0,10 0 0,-5 0 0,1 0 0,3 0 0,-8-5 0,8 4 0,-3-5 0,-1 1 0,5 4 0,-4-4 0,-1 5 0,5 0 0,-5 0 0,1 0 0,3 0 0,8-44 0,3 16 0,9-38 0,-4 21 0,-1 4 0,1-4 0,-1 6 0,-6 7 0,5-5 0,-5 5 0,6-6 0,0-1 0,-5 1 0,3 0 0,-3-1 0,-1 7 0,5-5 0,-11 11 0,5-4 0,-1 6 0,-3-1 0,3 1 0,0 0 0,-3-7 0,9 11 0,-10-9 0,10 10 0,-10-5 0,4-1 0,1 7 0,-5-5 0,5 4 0,-1-5 0,2-7 0,0-1 0,5-6 0,-5-1 0,6 1 0,-6 6 0,5 1 0,-11 7 0,10 0 0,-10-1 0,10 33 0,-4-13 0,5 27 0,0-16 0,7 2 0,2 14 0,6-6 0,-6 12 0,4-11 0,-4 4 0,0-7 0,3 1 0,-10-7 0,5 4 0,-6-10 0,-1 4 0,0-6 0,0 1 0,0-7 0,-5 5 0,4-10 0,-10 10 0,10-4 0,-10 5 0,10 0 0,-4 0 0,0 0 0,3 0 0,-8 1 0,9-7 0,-5 5 0,6-4 0,0 5 0,1 6 0,0 2 0,0 6 0,0 1 0,0-7 0,0 4 0,-1-10 0,0 5 0,1-7 0,-7 0 0,0 0 0,-12-5 0,-6-24 0,-15-1 0,-9-27 0,-7 14 0,-3-13 0,2 6 0,-1 0 0,8-4 0,-5 12 0,13 2 0,1 2 0,10 12 0,5 0 0,1 4 0,5 3 0,2-6 0,5 1 0,0 0 0,0 0 0,0-1 0,0 1 0,0 0 0,0 0 0,0-1 0,0 1 0,0 0 0,0 0 0,-6 5 0,-1 1 0</inkml:trace>
+  <inkml:trace contextRef="#ctx0" brushRef="#br0" timeOffset="-179812.271">14758 5613 16383,'0'-48'0,"0"0"0,0 6 0,0-1 0,0 0 0,0-8 0,0 6 0,0 2 0,0 2 0,0 5 0,0-6 0,0 6 0,0-5 0,0 6 0,0 5 0,0-2 0,0 12 0,0 0 0,0 2 0,0 5 0,0 1 0,0 0 0,0 0 0,0-7 0,0-8 0,0-2 0,0-20 0,0 12 0,0-22 0,0 6 0,0-8 0,0 8 0,0 2 0,0 15 0,0 9 0,0 2 0,0 11 0,0-4 0,0-1 0,0-1 0,0-7 0,0 1 0,0 0 0,0 6 0,0-21 0,0 17 0,0-18 0,0 16 0,0 0 0,0 5 0,0 3 0,0 6 0,0-1 0,0 1 0,0-6 0,0-2 0,0-1 0,0-3 0,0 3 0,0 1 0,0 2 0,0-1 0,0-1 0,0-6 0,0 6 0,0 1 0,0 7 0,0 0 0,0-1 0,0 6 0,0 2 0</inkml:trace>
+  <inkml:trace contextRef="#ctx0" brushRef="#br0" timeOffset="-175758.271">14720 3678 16383,'0'47'0,"0"-14"0,-6-1 0,-2-12 0,1 6 0,-5 0 0,11 1 0,-11-7 0,11-2 0,-10 0 0,9-4 0,-4 5 0,1-7 0,4 0 0,-5 0 0,6 0 0,0 0 0,-12 1 0,9-1 0,-8 0 0,11 7 0,0 1 0,0 0 0,-6 4 0,4-4 0,-10 7 0,11-1 0,-10-6 0,9-2 0,-9-6 0,10 1 0,-4-1 0,-1 0 0,5 0 0,-5 0 0,1 0 0,4 0 0,-5 0 0,1 0 0,-2 1 0,0-1 0,-4 0 0,10 0 0,-5 0 0,1 0 0,3 0 0,-8-5 0,8 4 0,-3-5 0,-1 1 0,5 4 0,-4-4 0,-1 5 0,5 0 0,-5 0 0,1 0 0,3 0 0,8-44 0,3 16 0,9-38 0,-4 21 0,-1 4 0,1-4 0,-1 6 0,-6 7 0,5-5 0,-5 5 0,6-6 0,0-1 0,-5 1 0,3 0 0,-3-1 0,-1 7 0,5-5 0,-11 11 0,5-4 0,-1 6 0,-3-1 0,3 1 0,0 0 0,-3-7 0,9 11 0,-10-9 0,10 10 0,-10-5 0,4-1 0,1 7 0,-5-5 0,5 4 0,-1-5 0,2-7 0,0-1 0,5-6 0,-5-1 0,6 1 0,-6 6 0,5 1 0,-11 7 0,10 0 0,-10-1 0,10 33 0,-4-13 0,5 27 0,0-16 0,7 2 0,2 14 0,6-6 0,-6 12 0,4-11 0,-4 4 0,0-7 0,3 1 0,-10-7 0,5 4 0,-6-10 0,-1 4 0,0-6 0,0 1 0,0-7 0,-5 5 0,4-10 0,-10 10 0,10-4 0,-10 5 0,10 0 0,-4 0 0,0 0 0,3 0 0,-8 1 0,9-7 0,-5 5 0,6-4 0,0 5 0,1 6 0,0 2 0,0 6 0,0 1 0,0-7 0,0 4 0,-1-10 0,0 5 0,1-7 0,-7 0 0,0 0 0,-12-5 0,-6-24 0,-15-1 0,-9-27 0,-7 14 0,-3-13 0,2 6 0,-1 0 0,8-4 0,-5 12 0,13 2 0,1 2 0,10 12 0,5 0 0,1 4 0,5 3 0,2-6 0,5 1 0,0 0 0,0 0 0,0-1 0,0 1 0,0 0 0,0 0 0,0-1 0,0 1 0,0 0 0,0 0 0,-6 5 0,-1 1 0</inkml:trace>
   <inkml:trace contextRef="#ctx0" brushRef="#br0" timeOffset="-62152">14890 7540 16383,'0'49'0,"0"-14"0,0 14 0,0-14 0,0-5 0,0 17 0,0-8 0,0 14 0,0-2 0,0-16 0,0-1 0,0 7 0,0-11 0,0 19 0,0-21 0,0 6 0,0 17 0,0-19 0,0 26 0,0-14 0,0 0 0,0 15 0,0-14 0,0 14 0,0-14 0,0-2 0,0-9 0,0-8 0,0 0 0,0-6 0,0-1 0,0-1 0,0 2 0,0 0 0,0-2 0,0 8 0,0-4 0,0 11 0,0-6 0,0-8 0,0 0 0,0 7 0,0-5 0,0 13 0,0-8 0,0 0 0,0 8 0,0-6 0,0 6 0,0-8 0,0-6 0,0 4 0,0-10 0,0 11 0,0-5 0,0 0 0,0 4 0,0-10 0,0 5 0,0-1 0,0-4 0,0 10 0,0-10 0,0 4 0,0-5 0,0 5 0,0 2 0,0 6 0,0-6 0,0 5 0,0-11 0,0 4 0,0 0 0,0-4 0,0 11 0,0-12 0,0 6 0,0-1 0,0 2 0,0 6 0,0 1 0,0-7 0,0-2 0,0 0 0,0 2 0,0 7 0,0-1 0,0 0 0,0 8 0,0-6 0,0 5 0,0 1 0,0 1 0,0 1 0,0-3 0,0-13 0,0 5 0,0-12 0,0 6 0,0-7 0,0 0 0,0 0 0,-30-35 0,3 8 0,-20-29 0,6 15 0,12 9 0,-4-6 0,6 11 0,7-4 0,2 12 0,11-4 0,-10 4 0,2-6 0,-11-6 0,-1 4 0,7-3 0,-5 4 0,11 2 0,-4-1 0,6 7 0,5-5 0,1 4 0,6-5 0,0-1 0,-5 6 0,4-3 0,-5 3 0,23 28 0,-1-8 0,15 29 0,-5-21 0,0 4 0,-5-5 0,-3 0 0,-5-2 0,-1-5 0,0-1 0,0-6 0,0 0 0,0-1 0,0 2 0,1 5 0,-1 0 0,0 0 0,0 0 0,0-5 0,0-2 0,0-5 0,0 0 0,0 6 0,7 1 0,-5 5 0,10-5 0,3 5 0,2-5 0,4 7 0,-13-1 0,5 0 0,-12-1 0,6 1 0,-7-7 0,-5 5 0,10-33 0,-3 10 0,21-35 0,-6 18 0,14-14 0,-14 14 0,5-6 0,-13 9 0,4 5 0,-11 2 0,4 7 0,-6-1 0,0 1 0,1 0 0,5-7 0,2 5 0,7-18 0,0 10 0,8-21 0,1 14 0,2-14 0,-5 14 0,-5 1 0,-8 3 0,5 11 0,-11-5 0,4 12 0,-11-4 0,4 9 0,-4-8 0,5 3 0,0 0 0,0-4 0,-5 4 0,3-5 0,-3 0 0,0 5 0,-2 1 0</inkml:trace>
   <inkml:trace contextRef="#ctx0" brushRef="#br0" timeOffset="-30403">16858 6661 16383,'56'0'0,"1"0"0,-4 0 0,6 0 0,-6 0 0,0 0 0,-2 0 0,-1 0 0,-12 0 0,11 0 0,-21 0 0,5 0 0,-6 0 0,-7 0 0,4 0 0,-10 0 0,4 0 0,-6 0 0,1 0 0,-1 0 0,0 0 0,13 0 0,-3 0 0,19 0 0,2 0 0,2-13 0,14 10 0,-14-16 0,6 17 0,-9-11 0,-7 12 0,-7-6 0,-4 7 0,-10 0 0,4 0 0,-11-5 0,4 4 0,-4-5 0,5 6 0,6 0 0,2 0 0,6 0 0,8 0 0,-12 0 0,10 0 0,-19 0 0,6 0 0,-7 0 0,0 0 0,0 0 0,0 0 0,7 0 0,1 0 0,6 0 0,0 0 0,8 0 0,1 0 0,8 0 0,-8 0 0,6 0 0,-13 0 0,5 0 0,-6 0 0,-7 0 0,-2 0 0,-6 0 0,14 0 0,-11 0 0,24 0 0,-23 0 0,16 0 0,-18 0 0,4 0 0,-6 0 0,0 0 0,0 0 0,0 0 0,1 0 0,5 0 0,-4 0 0,4 0 0,-6 0 0,7 0 0,1 0 0,6 0 0,0 0 0,-6 0 0,-2 6 0,-5-5 0,-1 4 0,0-5 0,0 0 0,0 0 0,0 0 0,0 0 0,0 0 0,0 0 0,1 0 0,-1 0 0,0 0 0,0 0 0,0 0 0,0 0 0,0 0 0,0 0 0,0 0 0,1 0 0,5 0 0,-4 0 0,10 0 0,-4 0 0,0 0 0,5 0 0,-11 0 0,10 0 0,-4 0 0,0 0 0,-1 0 0,-7 0 0,0 0 0,0 0 0,0 0 0,0 0 0,0 0 0,0 0 0,1 0 0,-1 0 0,0 0 0,-44 0 0,1 0 0,-33 0 0,13-6 0,9-8 0,6 4 0,2-8 0,8 10 0,0 1 0,6-4 0,1 9 0,7-3 0,-22-2 0,2 5 0,-11-5 0,2 1 0,5 5 0,1-12 0,8 12 0,2-5 0,11 0 0,-5 5 0,7-4 0,-14-8 0,-30-6 0,-2-11 0,-22-2 0,27 8 0,-6 2 0,21 3 0,-11 9 0,27-7 0,-10 9 0,18 1 0,1-4 0,48 10 0,2 2 0,30 13 0,-8 10 0,-7 5 0,1 1 0,6 0 0,-14-8 0,-2-1 0,-2-7 0,-13 0 0,-1-1 0,-8-1 0,-7-5 0,0-2 0,0 1 0,0-5 0,7 10 0,-6-9 0,12 4 0,-5-1 0,6-3 0,1 10 0,-1-11 0,-6 5 0,-2-1 0,-6-3 0,0 3 0,1-5 0,-1 0 0,0 0 0,0 0 0,0 5 0,14 3 0,-5 5 0,28 1 0,-11 0 0,13 1 0,-9-1 0,1 0 0,-8 0 0,-1-1 0,-14 0 0,-2 0 0,-6-7 0,0 0 0,-38-6 0,4 0 0,-27 0 0,16 0 0,6 6 0,1 1 0,6 0 0,-21 6 0,17-6 0,-25 1 0,14 5 0,-1-6 0,3 1 0,13 3 0,1-10 0,-7 11 0,4-5 0,-11 1 0,6 4 0,7-5 0,2 0 0,5 4 0,1-10 0,0 4 0,0 1 0,-1 0 0,1 1 0,0 4 0,-1-10 0,7 10 0,-5-10 0,4 5 0,0-1 0,-4-4 0,4 10 0,-5-9 0,0 3 0,0-5 0,-1 5 0,1 2 0,-6 6 0,-2-1 0,-1 1 0,3 0 0,6-1 0,-1 0 0,7-5 0,0-2 0</inkml:trace>
   <inkml:trace contextRef="#ctx0" brushRef="#br0" timeOffset="-26637">13252 6533 16383,'-41'0'0,"0"0"0,-2 0 0,1 0 0,-9 0 0,6 0 0,-6 0 0,0 0 0,6 0 0,-14 0 0,22 0 0,-21 0 0,21 0 0,-7 0 0,11 0 0,-1 0 0,6 0 0,-6 0 0,8 0 0,-8 0 0,6 0 0,-13 0 0,5 0 0,1 0 0,-14 0 0,11 6 0,-6-4 0,3 4 0,6-6 0,-8 7 0,8-6 0,-6 5 0,5-6 0,-6 0 0,-1 0 0,0 0 0,0 0 0,1 0 0,-1 0 0,0 0 0,8 0 0,1 0 0,7 0 0,1 0 0,-8 0 0,6 0 0,-13 0 0,13 0 0,-21 0 0,11 0 0,-13 0 0,1 0 0,5 0 0,-6 0 0,8 0 0,0 0 0,1 0 0,-1 0 0,0 0 0,8 0 0,1 0 0,7 0 0,1 0 0,6 0 0,1 0 0,7 0 0,-6 0 0,-3 0 0,-5 0 0,6 0 0,-5 0 0,11 0 0,-4 0 0,-8 0 0,4 0 0,-12 0 0,1 0 0,4 0 0,-11 0 0,11 0 0,-4 0 0,6 0 0,7 0 0,-5 0 0,11 0 0,-4 0 0,11-5 0,13-8 0,9-7 0,20-15 0,-7 6 0,16-14 0,-7 5 0,17-9 0,-8 9 0,8-8 0,-11 16 0,-6-5 0,-3 13 0,-8 3 0,-6 12 0,-2-5 0,-6 11 0,0-4 0,-47 23 0,11-1 0,-43 17 0,25-5 0,-1-1 0,0 0 0,0-6 0,8-2 0,7-7 0,4 0 0,15 0 0,-8-1 0,16 0 0,-10-5 0,9 4 0,-9-10 0,10 10 0,-10-10 0,10 10 0,-10-10 0,10 10 0,-10-10 0,9 10 0,-9-9 0,10 8 0,-4-3 0,-1 0 0,-1 4 0,-5-5 0,0 6 0,0 0 0,-1 1 0,1-7 0,50 20 0,-3 1 0,45 27 0,-15-3 0,10 14 0,-17-23 0,7 21 0,-21-23 0,2 7 0,-9-18 0,-4-3 0,-13-12 0,-1 4 0,-7-11 0,0 4 0,0-10 0,0 5 0,-5-1 0,-2 2 0</inkml:trace>
   <inkml:trace contextRef="#ctx0" brushRef="#br0" timeOffset="-17235">14188 2573 16383,'-21'-35'0,"-5"1"0,11 8 0,-10-1 0,10 1 0,-3 6 0,-1 1 0,-1 0 0,-24-19 0,19 7 0,-11-12 0,9 15 0,11 2 0,-16 4 0,17-3 0,-50-35 0,27 22 0,-30-28 0,17 28 0,-9-20 0,2 14 0,13 1 0,3 1 0,1 7 0,5-1 0,0-1 0,-4-2 0,-6-7 0,11 11 0,15 15 0,2 2 0,5 11 0,7-4 0,-5 9 0,9-8 0,-9 8 0,-9-16 0,-2 3 0,-5-6 0,2-4 0,11 12 0,-4-6 0,5 7 0,1-1 0,0 7 0,5-5 0,-10 4 0,8-6 0,-15 0 0,10 1 0,-5-1 0,7 6 0,5-4 0,-4 10 0,10 22 0,-5 22 0,6 13 0,9 42 0,-1-38 0,1-6 0,0 2 0,7 29 0,-6 0 0,4 4 0,-12-34 0,12 5 0,-13-31 0,6-4 0,-2-6 0,-3-5 0,4 4 0,-6-64 0,0 11 0,0-51 0,-8-6 0,-3-6 0,3 48 0,-1 1 0,0-2 0,1 2 0,0-15 0,-6-6 0,5 17 0,1 10 0,2 9 0,0 19 0,5-2 0,-5 10 0,6-5 0,0 0 0,19 5 0,5 1 0,19 6 0,7 0 0,3 7 0,8 2 0,-8 5 0,-2 1 0,-9-1 0,-6 0 0,-9-6 0,-9-3 0,-5-5 0,-1 0 0,0 0 0,0 0 0,0 0 0,0 0 0,0 0 0,0 0 0,0 0 0,1 0 0,-1 0 0,0 0 0,0 0 0,0 0 0,-5 0 0,-2 0 0</inkml:trace>
   <inkml:trace contextRef="#ctx0" brushRef="#br0" timeOffset="-14413">14904 2642 16383,'0'-57'0,"22"-11"0,5-4 0,-3 21 0,3-1 0,3 3 0,1-1 0,6-15 0,2 0 0,-1 6 0,0 5 0,-6 10 0,-1 3 0,26-40 0,-18 33 0,-12 7 0,15-10 0,-25 29 0,6-7 0,-6 16 0,-10-4 0,12 8 0,-5-4 0,4 1 0,-5-1 0,-1 5 0,0-9 0,1 3 0,-1 6 0,1-4 0,-1 7 0,0-2 0,1-12 0,5 5 0,3-11 0,-1 11 0,-2-5 0,-6 7 0,0 0 0,7-14 0,-5 10 0,12-10 0,-12 14 0,4-1 0,-6 1 0,0 5 0,0-4 0,1 10 0,-7-10 0,5 10 0,-10-10 0,10 4 0,-4-12 0,6 5 0,-1-4 0,6-1 0,-4 11 0,5-9 0,-7 10 0,0 0 0,0-4 0,-5 4 0,3 1 0,-3-5 0,5 9 0,-5-8 0,4 8 0,-5-3 0,1-1 0,4 5 0,-4-10 0,5 10 0,-50-5 0,5 6 0,-54 0 0,14 0 0,1 0 0,-7 7 0,-4 3 0,-1 6 0,2 0 0,20 0 0,11-2 0,21-6 0,-2 4 0,19-5 0,-20 6 0,18 0 0,-17 0 0,18-1 0,-5 1 0,7-6 0,5 4 0,-4-10 0,46 4 0,-13-11 0,46 4 0,-15-11 0,8 5 0,9-8 0,-15 1 0,5 0 0,-17 7 0,-8 1 0,-8 2 0,-8 4 0,-7-5 0,0 6 0,0 0 0,0 0 0,0 0 0,0 0 0,0-5 0,7 3 0,-5-3 0,4-1 0,0 5 0,-4-4 0,4 5 0,-5 0 0,-1 0 0,0-6 0,0 5 0,0-5 0,0 6 0,0 0 0,0-5 0,7 4 0,1-5 0,0 1 0,-2 3 0,-6-3 0,0 5 0,0 0 0,-5 5 0,-8 21 0,-8 22 0,1 4 0,-5 8 0,4-10 0,-5-5 0,-11 44 0,7-20 0,0 25 0,4-24 0,6-9 0,-8 0 0,8-16 0,-5-3 0,11-16 0,-3-6 0,5-1 0,0-7 0,-6-5 0,-1-2 0</inkml:trace>
-  <inkml:trace contextRef="#ctx0" brushRef="#br0" timeOffset="569707">14013 7515 16383,'0'76'0,"0"-13"0,0-8 0,0 0 0,-8 23 0,5-22 0,-3 0 0,-19 38 0,7-9 0,5-17 0,0-1 0,-3 8 0,-2 3 0,-1 1 0,-9 2 0,7-24 0,-2 0 0,-9 15 0,11-21 0,0-2 0,-5 12 0,5-8 0,0 2 0,-4 11 0,4-15 0,0 0 0,-6 24 0,-12 14 0,14-17 0,-1 10 0,-5-1 0,13 0 0,-13 1 0,13-1 0,-12-8 0,12 6 0,-20 3 0,18-15 0,0-12 0,-1-2 0,-2-1 0,10-3 0,-1 0 0,-14 6 0,3 24 0,-7-6 0,1-1 0,-2 7 0,0 14 0,1-23 0,6 19 0,-3-27 0,2 31 0,2-24 0,13-20 0,-1 0 0,-11 36 0,11-37 0,-1 1 0,-3 3 0,-1 1 0,5-2 0,-1-1 0,-2 4 0,0-3 0,-3 29 0,2-14 0,-1-2 0,1 0 0,4-9 0,-1 2 0,-10 25 0,6 2 0,-6-2 0,8-12 0,1-17 0,1-9 0,0-11 0,7-13 0,1-1 0,1-7 0,3 0 0,-16-46 0,15 2 0,-10-35 0,-2-11 0,3 1 0,0 22 0,-1-5 0,3-5 0,1 1 0,4 13 0,0 0 0,-4-17 0,1 3 0,6-13 0,-13-15 0,13 23 0,-4 24 0,6 4 0,0 22 0,-6 1 0,5 62 0,-5-24 0,6 52 0,0-36 0,0 35 0,7-20 0,1 37 0,7-32 0,-6 7 0,4-11 0,-11-16 0,4-2 0,-6-13 0,5-1 0,-3-7 0,3 0 0,1 6 0,-5 2 0,5 14 0,0-6 0,-4 5 0,3-13 0,1 5 0,-4-11 0,3 4 0,-5-6 0,0 0 0,0 1 0,6-7 0,-5 5 0,5-4 0,-6 5 0,5 6 0,-3 2 0,4 7 0,-6-7 0,0-2 0,0-6 0,0 0 0,0 0 0,0 0 0,24-45 0,1 16 0,33-48 0,4 33 0,13-8 0,-1 0 0,-4 13 0,2-18 0,-9 25 0,17-18 0,-17 21 0,-1-5 0,-12 1 0,-20 11 0,9-9 0,-17 12 0,5-1 0,-9 2 0,-6 6 0,0 0 0,-5 0 0,-2 0 0</inkml:trace>
-  <inkml:trace contextRef="#ctx0" brushRef="#br0" timeOffset="574279">15889 7560 16383,'0'87'0,"0"4"0,0-36 0,0 22 0,14-22 0,-4 15 0,5-9 0,7 9 0,-12-7 0,13 17 0,-8-25 0,1 22 0,8 8 0,-6-16 0,-6-15 0,2 0 0,10 34 0,-6-9 0,-6-29 0,1-2 0,10 17 0,-5 16 0,5-9 0,-8-2 0,6-17 0,-4 6 0,3-14 0,-4 14 0,6 3 0,2 1 0,1 16 0,5-7 0,2 10 0,-5-10 0,10-2 0,-20-9 0,4-8 0,-7-9 0,0-11 0,-1-13 0,-1-1 0,-5-7 0,4 0 0,-3 22 0,6 5 0,1 22 0,7 0 0,-5 0 0,13 19 0,-4 5 0,7-1 0,-8-12 0,-2 6 0,-9-28 0,1 12 0,-1-28 0,-1-8 0,1 8 0,0 9 0,1 10 0,-1 0 0,1-2 0,0 8 0,-2-11 0,-1 1 0,7 41 0,-6-40 0,-1-3 0,3 13 0,9 10 0,-8-21 0,7 14 0,-10-30 0,1-6 0,0 23 0,0-10 0,1 13 0,-1-13 0,-1-4 0,11 45 0,-6-21 0,6 23 0,-3-33 0,-6-7 0,6 0 0,-7-8 0,-1-8 0,0-2 0,-6-11 0,-2 4 0,-5-6 0,6-5 0,-5 4 0,11 9 0,-11 2 0,12 11 0,-6-7 0,0 1 0,6 14 0,-6-10 0,1 10 0,4-14 0,-10-7 0,3 4 0,1-10 0,-5 4 0,5-6 0,-6 1 0,5-7 0,-35-32 0,15 6 0,-32-33 0,20 17 0,5 1 0,-4 1 0,12 14 0,-5 1 0,12 7 0,-4 0 0,-17-9 0,-5-8 0,-18-2 0,14 1 0,4 5 0,-43-27 0,22 15 0,-25-15 0,30 24 0,14 7 0,-1 5 0,9-2 0,8 16 0,7-9 0,0 10 0,5-10 0,-4 10 0,-2-11 0,-7-1 0,-6-2 0,-1-4 0,1 6 0,6 6 0,1-5 0,7 6 0,0-1 0,39 18 0,-12-1 0,27 14 0,-24-11 0,-5-1 0,5 6 0,2-3 0,0 3 0,5-5 0,-12-1 0,6 1 0,-7-1 0,0 0 0,0 0 0,0 0 0,0 0 0,0 1 0,0-7 0,1 5 0,-1-10 0,0 10 0,-6-4 0,5 5 0,-4 0 0,5-5 0,14 11 0,3-3 0,0 7 0,10 4 0,-17-6 0,11 7 0,-6-6 0,-7-3 0,-2-5 0,-6-1 0,0 0 0,0-5 0,0-2 0,-5 1 0,4 0 0,2 7 0,7 5 0,23 20 0,-12-7 0,28 14 0,-20-10 0,13 4 0,-15-2 0,-2-7 0,-9-12 0,-6-5 0,-1 0 0,-7-1 0,0-5 0,-5 3 0,-2-32 0,-5 10 0,0-33 0,7-8 0,1 6 0,8-21 0,0-4 0,-1 6 0,2-24 0,-2 18 0,8-1 0,-6 3 0,5 9 0,-7 8 0,-1 9 0,0 11 0,-7 13 0,-1 1 0,-1 7 0,-4 0 0,5-1 0,-6 1 0,5 5 0,-3-4 0,9-2 0,-10-7 0,10 0 0,-9 1 0,9 1 0,-3-18 0,0 6 0,4-12 0,-4 16 0,-1 6 0,4 1 0,-10 7 0,5 0 0,-6-1 0,0 1 0,0-6 0,0 15 0,0-2 0</inkml:trace>
-  <inkml:trace contextRef="#ctx0" brushRef="#br0" timeOffset="693407">13501 7316 16383,'-25'0'0,"1"5"0,12-3 0,0 8 0,-7-8 0,6 8 0,-6-3 0,7 0 0,0 4 0,-1-10 0,1 10 0,0-10 0,-1 10 0,1-4 0,0-1 0,-7 6 0,6-11 0,-6 10 0,7-4 0,0 0 0,-1-2 0,6 0 0,-3-3 0,3 9 0,-5-10 0,-7 10 0,5-4 0,-4 6 0,5-7 0,-12 6 0,9-5 0,-10 6 0,8-1 0,4 1 0,-18 0 0,16-1 0,-16 2 0,12-1 0,0-1 0,1 1 0,7-6 0,-14 4 0,10-4 0,-16 7 0,18-7 0,-10 4 0,-4-3 0,0 5 0,-13 1 0,13-6 0,-6 4 0,14-11 0,1 10 0,-6-3 0,3 5 0,-12-5 0,8 3 0,-1-3 0,7-1 0,-5 5 0,-2-5 0,-1 7 0,-6-1 0,8 0 0,5-5 0,3 3 0,6-10 0,-1 10 0,-12-3 0,9 4 0,-16 1 0,18 0 0,-26 1 0,16-2 0,-18 2 0,16 0 0,-8 5 0,-10 4 0,13-2 0,-17 1 0,26-4 0,-5-3 0,-13 11 0,16-11 0,-18 6 0,16-8 0,-16 8 0,4 1 0,-5 0 0,2 5 0,12-12 0,-20 12 0,4-4 0,-1 0 0,-3-2 0,21-8 0,-6 1 0,-8 7 0,5-6 0,-7 6 0,3-7 0,13-1 0,-13 1 0,5 0 0,1 0 0,1-1 0,8 1 0,6-2 0,1 1 0,-7 0 0,4 0 0,-19 1 0,13-1 0,-30 9 0,10 1 0,-14 1 0,11-2 0,-9 0 0,-25 4 0,7 6 0,-13-5 0,30-5 0,4-4 0,-2-1 0,-25 4 0,25 1 0,0-1 0,-20-4 0,32 2 0,0 2 0,-1-2 0,-1-1 0,1 0 0,0 1 0,-32 19 0,10-13 0,12 1 0,-2 1 0,13-8 0,1 0 0,-8 7 0,-2 1 0,-6-4 0,1-2 0,13-3 0,-1 0 0,-12 5 0,-1-1 0,10-8 0,4-1 0,-16 16 0,2-12 0,11 4 0,16-7 0,7-1 0,-4 0 0,-14 1 0,-1 1 0,-13 0 0,17-1 0,0 0 0,-27 2 0,28-2 0,-26 1 0,32-1 0,1 0 0,8-1 0,2 0 0,5 5 0,-7-3 0,1 4 0,5 0 0,2-5 0,0 5 0,-18 9 0,6-5 0,-12 14 0,9-10 0,12-7 0,-27 16 0,17-13 0,-13 8 0,11-6 0,8-4 0,-8 0 0,-12 14 0,1-17 0,-8 18 0,18-15 0,-6 0 0,-25 25 0,23-25 0,-20 19 0,29-21 0,6 2 0,-40 18 0,25-16 0,-27 8 0,28-10 0,-1 1 0,-38 18 0,29-15 0,-22 7 0,33-12 0,6-5 0,-1 5 0,-22 10 0,18-13 0,-13 18 0,20-20 0,-1 5 0,12-7 0,-4 0 0,8-1 0,9 0 0,-8 1 0,10-6 0,-5 4 0,-22-3 0,3 11 0,-13-3 0,3 4 0,13-6 0,-6-1 0,-9 16 0,12-12 0,-20 13 0,29-17 0,-10 0 0,18-1 0,-4 1 0,11-1 0,-4-5 0,10-29 0,-5 10 0,12-23 0,-5 23 0,10 5 0,-10-10 0,10 3 0,-4-13 0,7 1 0,-1-1 0,1-15 0,6 5 0,-4-7 0,10 3 0,-11 13 0,5-6 0,-7 14 0,-1 2 0,0 6 0,-5-1 0,4 6 0,-10-3 0,10 3 0,-10-5 0,5-1 0,-1 1 0,-4 0 0,5-1 0,-1 7 0,-4-5 0,10 4 0,-4 0 0,0-4 0,3 4 0,-2-11 0,4 4 0,0-4 0,8-8 0,-6 10 0,11-10 0,-11 7 0,5 5 0,-7-5 0,1 7 0,-1 0 0,0 5 0,0 2 0,-16 26 0,6-10 0,-18 17 0,9-9 0,-7 8 0,-5 1 0,4 13 0,-5-13 0,7 5 0,-1-7 0,2-6 0,4-1 0,-3-1 0,9-4 0,-9 4 0,10-6 0,-5 1 0,-5-1 0,2 7 0,-10 1 0,11 6 0,-3-6 0,4 5 0,0-11 0,-13 26 0,11-16 0,-6 11 0,3-3 0,4-10 0,0 5 0,-4-2 0,11-12 0,-5 6 0,1-7 0,3 0 0,-3 0 0,5 0 0,-6 0 0,0 0 0,-1 7 0,-4-5 0,9 4 0,-8-6 0,8 0 0,-3 0 0,10-5 0,19-7 0,-1-1 0,21-5 0,-1 6 0,29 0 0,-6 0 0,-11 0 0,0 0 0,5 0 0,-6 0 0,0 0 0,13 0 0,15 0 0,-11 7 0,-19-5 0,-8 10 0,-11-10 0,-13 3 0,-1-5 0,-7 6 0,0-5 0,0 5 0,-5-1 0,-2 2 0</inkml:trace>
-  <inkml:trace contextRef="#ctx0" brushRef="#br0" timeOffset="696057">2851 12403 16383,'-36'51'0,"-14"22"0,6-5 0,8 0 0,-7-9 0,2 20 0,-3-24 0,17-8 0,4-3 0,8-14 0,-6 19 0,13-27 0,-3 3 0,9-12 0,-3-1 0,-1 0 0,-7 6 0,-1-4 0,-5 11 0,1-5 0,-4 13 0,-5 2 0,5 1 0,-4-9 0,11-2 0,-10-10 0,11 10 0,-12 2 0,5 1 0,-6 6 0,6-8 0,-12 9 0,0 11 0,-5-7 0,2 4 0,9-16 0,7-1 0,1-6 0,6-2 0,7-6 0,-5 1 0,9-1 0,-9-6 0,10 5 0,-10-4 0,4 5 0,-5 6 0,5-4 0,-5 4 0,6-5 0,-1-1 0,-4 0 0,10 0 0,-5-38 0,6 4 0,0-42 0,0 19 0,0-14 0,0-3 0,0-11 0,0 1 0,0 1 0,0 19 0,0 8 0,0 3 0,0 19 0,0-4 0,0 14 0,0 0 0,0 48 0,0-12 0,0 43 0,0-31 0,0 22 0,0-1 0,0 7 0,0 4 0,0-24 0,0 0 0,0-17 0,0 5 0,0-16 0,0 9 0,0-13 0,0 1 0,0-1 0,0 0 0,0 0 0,0 14 0,0-5 0,0 13 0,0-8 0,0 0 0,0-6 0,0-1 0,0-7 0,0 0 0,16-27 0,-6 15 0,19-28 0,-2 20 0,1-5 0,13-1 0,-6 0 0,8 0 0,-1-1 0,-6 1 0,-3 7 0,-6-5 0,-7 10 0,-2-9 0,-6 10 0,0-5 0,0 1 0,0-2 0,1 0 0,-1-4 0,0 4 0,0 1 0,0-5 0,0 9 0,0-3 0,7-1 0,-6 5 0,6-11 0,-7 11 0,0-5 0,0 6 0,-5 0 0,-2 0 0</inkml:trace>
-  <inkml:trace contextRef="#ctx0" brushRef="#br0" timeOffset="699029">4121 12319 16383,'0'95'0,"0"-12"0,0-28 0,0 2 0,15 7 0,-5-11 0,1 2 0,15 27 0,-7 11 0,-6-42 0,-11-7 0,11 15 0,13 24 0,-13-30 0,12 19 0,-19-39 0,-5-11 0,11 4 0,-4 8 0,6 5 0,0 7 0,-6-5 0,4-14 0,-4 6 0,5-11 0,1 25 0,6-16 0,-5 13 0,5-11 0,-7-6 0,1-1 0,-2-6 0,1-2 0,-1 1 0,2 8 0,-2-5 0,2 10 0,-7-19 0,4 6 0,-10-7 0,10 0 0,-10 0 0,5 0 0,-6 0 0,-6-5 0,-22-8 0,-12-1 0,-13-11 0,2 5 0,16 0 0,-56-24 0,43 19 0,-38-15 0,45 16 0,6 4 0,-1-6 0,9 6 0,9-3 0,5 9 0,6-9 0,-3 10 0,-4-10 0,-6 3 0,-6-5 0,-8 6 0,6-5 0,1 10 0,8-9 0,1 10 0,9-10 0,-8 9 0,53-3 0,-4 5 0,39 7 0,-10 8 0,9 9 0,3 1 0,-9 4 0,-4-13 0,-18 5 0,-6-8 0,-9 1 0,-9-7 0,-6 3 0,1-8 0,-1 3 0,0-5 0,0 0 0,0 0 0,0 6 0,0-5 0,0 4 0,0 1 0,1-5 0,-1 4 0,0-5 0,0 0 0,0 0 0,0 0 0,0 0 0,0 0 0,0 0 0,1-5 0,0-15 0,6-10 0,-4-5 0,13-14 0,-6 11 0,7-13 0,-1 9 0,-6 6 0,-2 2 0,-7 8 0,0 6 0,-1 1 0,0 13 0,-5-5 0,4 4 0,-4-12 0,6-1 0,0-13 0,8-11 0,1 6 0,0-3 0,4 7 0,-12 6 0,6 0 0,-7 3 0,-1 17 0,-5-9 0,-1 15 0,-6-3 0</inkml:trace>
-  <inkml:trace contextRef="#ctx0" brushRef="#br0" timeOffset="889423">15863 5872 16383,'41'-20'0,"-1"-2"0,4-14 0,-1 6 0,3-14 0,6 4 0,-4-6 0,15-10 0,-24 23 0,22-19 0,-13 11 0,17-10 0,-8-3 0,4 13 0,-14-3 0,4 13 0,-7-6 0,-8 3 0,5 10 0,-12-8 0,5 11 0,-8-6 0,8 0 0,-6 0 0,13-1 0,-6 0 0,0 1 0,6-1 0,-4-8 0,-2 7 0,8-7 0,-15 9 0,12-1 0,-11-6 0,22-5 0,-19 9 0,20-14 0,-24 21 0,15-13 0,2 0 0,0 5 0,18-16 0,-26 17 0,24-16 0,-23 16 0,16-15 0,-3 13 0,-3-12 0,4 5 0,0 0 0,-4-5 0,3 13 0,-6-13 0,-9 14 0,6-6 0,-14 10 0,6-2 0,-8 2 0,0 0 0,1 5 0,-1-4 0,-6 11 0,-2-5 0,-6 7 0,7-1 0,-6 1 0,6-1 0,-7 1 0,0-7 0,7 5 0,-5-5 0,4 7 0,1-1 0,-5 1 0,10-7 0,-10 5 0,11-5 0,-11 0 0,11 4 0,-5-10 0,14 4 0,-6-6 0,5 6 0,-7 2 0,1 0 0,-1 4 0,-6-4 0,-2 12 0,-6-4 0,1 10 0,-1-10 0,0 9 0,0-9 0,0 5 0,0-7 0,0 1 0,7-1 0,1 1 0,6-2 0,0 1 0,0-6 0,-6 10 0,5-9 0,-5 11 0,0-6 0,-2 6 0,-6 2 0,-5-1 0,4 5 0,-4-10 0,5 4 0,0-5 0,0 0 0,0-1 0,0 6 0,-5-3 0,4 3 0,-46 0 0,12 2 0,-45 5 0,23 0 0,-14 0 0,6 0 0,0 0 0,-6 6 0,14 2 0,-5 1 0,14 3 0,2-5 0,14 0 0,2 5 0,5-11 0,7 10 0,-5-10 0,4 10 0,-5-5 0,-7 7 0,-1 0 0,0-1 0,-5 1 0,11 0 0,-4-1 0,5 0 0,1 0 0,0 1 0,5-1 0,-4-6 0,40-29 0,-16 10 0,39-31 0,-17 29 0,16-13 0,-7 12 0,15-13 0,-14 13 0,6-5 0,-16 7 0,-1 6 0,-8-4 0,-6 11 0,-2-11 0,-6 11 0,14-11 0,-4 11 0,19-12 0,-13 5 0,5 1 0,-6-5 0,-7 5 0,4 0 0,-10 1 0,4 6 0,-6 0 0,-5 5 0,-1 8 0,-6 0 0,0 5 0,0-6 0,0 13 0,0-3 0,0 19 0,-7-6 0,6 1 0,-12-3 0,5 18 0,0-11 0,-6 28 0,6-24 0,-1 0 0,-3-11 0,11-7 0,-5-6 0,0-1 0,5-7 0,-5 0 0,6-5 0,0-2 0</inkml:trace>
-  <inkml:trace contextRef="#ctx0" brushRef="#br0" timeOffset="930612">6868 6651 16383,'-51'0'0,"-11"0"0,-2 0 0,2 0 0,3 0 0,6 0 0,-35 0 0,11 0 0,18 0 0,0 0 0,-27 0 0,-14 0 0,19 0 0,-1 0 0,10 0 0,1 0 0,18 0 0,3 0 0,14 0 0,9 0 0,2 0 0,11 0 0,-5 0 0,-6 0 0,-5 0 0,-12 0 0,-28 0 0,20 0 0,-28 7 0,25-6 0,-8 6 0,21-1 0,-7-5 0,18 4 0,0-5 0,3 0 0,13 0 0,1 0 0,-22 0 0,-5 0 0,-41 0 0,14 0 0,-24 0 0,18 0 0,-20-7 0,17 5 0,17-6 0,-7 1 0,39 5 0,-19-5 0,27 7 0,5 0 0,-5 0 0,-9 0 0,-17 0 0,-9-7 0,-17 5 0,-3-5 0,-8 0 0,8 5 0,-6-5 0,24 7 0,-5 0 0,24 0 0,9 0 0,8 0 0,1 0 0,-2 0 0,-7 0 0,-7 0 0,-1 0 0,0 0 0,-6 0 0,5 0 0,1 0 0,7 0 0,10 0 0,5 0 0,1 0 0,0 0 0,-7 0 0,6 0 0,-12 0 0,11 0 0,-5 0 0,7 0 0,0 0 0,0 0 0,39 0 0,-5 6 0,36 8 0,-14 16 0,9 10 0,3 7 0,-1-7 0,-1 5 0,-11-15 0,1 6 0,-9-14 0,-7-3 0,-4-6 0,-10-1 0,4 1 0,-6-1 0,-10-5 0,-29-26 0,2 1 0,-29-29 0,17 10 0,-9-9 0,9 9 0,8 8 0,-4-4 0,17 17 0,-11-11 0,14 14 0,1 1 0,0 5 0,-1 2 0,1 5 0,0-6 0,-7-1 0,6 0 0,-6-4 0,7 9 0,0-8 0,-1 8 0,1-9 0,11-2 0,2-1 0,26-5 0,2-1 0,23-11 0,1-1 0,19-15 0,1 6 0,-27 16 0,-1 0 0,22-15 0,20-8 0,-30 8 0,5 0 0,-9 2 0,-11 16 0,-13 2 0,-3 7 0,-14 7 0,0 0 0,0 6 0,0 0 0</inkml:trace>
-  <inkml:trace contextRef="#ctx0" brushRef="#br0" timeOffset="1.97791E6">13706 5878 16383,'-48'-14'0,"-10"-15"0,-4-5 0,14 4 0,-2-2 0,6 6 0,0 0 0,-14-5 0,0-1 0,9 1 0,1 2 0,-4 1 0,0 1 0,0-3 0,-3-2 0,-30-13 0,-3-1 0,7 2 0,0 1 0,-4-1 0,-3-2 0,27 13 0,-1-2 0,4 4 0,-6 0 0,1 1 0,-1-4 0,-2-2 0,7 3 0,-3-2 0,7 5 0,-34-13 0,29 11 0,-9-4 0,7 4 0,10 7 0,1 3 0,-18-7 0,-2 0 0,13 3 0,1 1 0,4 2 0,0 1 0,-10-5 0,0-1 0,4 2 0,0-2 0,-11-4 0,-1-1 0,0 0 0,-1-2 0,-3-4 0,3 1 0,15 9 0,3 1 0,-6-8 0,3 1 0,-18-1 0,31 7 0,1 0 0,-20-4 0,10 2 0,24 11 0,3 7 0,14 6 0,5-4 0,-4 10 0,-2-10 0,-14-4 0,-8-6 0,-16-9 0,-11-8 0,14 14 0,-19-13 0,30 15 0,-7-1 0,10 3 0,14 7 0,2 6 0,5-4 0,-12 10 0,-5-17 0,-5 14 0,1-20 0,-17 7 0,19-5 0,-26 0 0,29 9 0,-4-1 0,6 1 0,7 5 0,7-3 0,2 9 0,4-3 0,-5 5 0,0-5 0,-7 3 0,6-9 0,-6 10 0,12-10 0,-4 10 0,4-5 0,19 37 0,16 5 0,27 31 0,3 5 0,-21-37 0,-2-1 0,9 29 0,27 2 0,-31-19 0,7 7 0,-11-9 0,-9-15 0,-6 3 0,-2-17 0,-6 3 0,-1-11 0,-6 4 0,-18-39 0,-5 7 0,-16-32 0,-14-9 0,15 22 0,-15-21 0,20 26 0,5-1 0,-4 8 0,12 3 0,-5 11 0,12-4 0,1 5 0,6 1 0,-5 0 0,-3-7 0,-10-1 0,3-6 0,-11-8 0,12 12 0,-13-17 0,13 17 0,-6-6 0,7 10 0,1 6 0,0-1 0,5 1 0,7 5 0,18 2 0,11 5 0,20 0 0,4 0 0,17 0 0,-7 0 0,7 0 0,-9 0 0,-8 0 0,-10 0 0,-2 0 0,-19 0 0,4 0 0,-14 0 0,0 0 0,0 0 0,0 0 0,0 0 0,6 0 0,-4 0 0,11 0 0,-5-6 0,0 4 0,-2-3 0,-6 5 0,0 0 0,1 0 0,-1 0 0,-6 0 0,0 0 0</inkml:trace>
-  <inkml:trace contextRef="#ctx0" brushRef="#br0" timeOffset="1.98224E6">7749 2314 16383,'-44'-36'0,"-1"-2"0,7-7 0,3 8 0,-2-13 0,7 12 0,-9-23 0,12 23 0,-3-11 0,4 21 0,-4-21 0,4 18 0,-5-35 0,3 26 0,-2-12 0,2 11 0,-1-3 0,1-1 0,-11-16 0,9 29 0,-1-17 0,6 26 0,3-18 0,-4 13 0,-2 0 0,2 3 0,-1 5 0,1-7 0,0 1 0,5 6 0,-4-12 0,-3 9 0,-1-11 0,-5 7 0,8 0 0,-1 1 0,1-1 0,0 1 0,6 6 0,1-5 0,6 11 0,0 1 0,1 2 0,5 15 0,2 8 0,5 3 0,0 8 0,0-11 0,0 6 0,0 10 0,0 7 0,0 8 0,0 7 0,0 3 0,0 8 0,7 0 0,1 0 0,7 0 0,0 0 0,1 0 0,-2-8 0,-5-2 0,3-16 0,-5-1 0,6-14 0,-6 4 0,-2-10 0,1 4 0,0-11 0,1-30 0,-1-12 0,-6-20 0,0-4 0,0 6 0,0-17 0,0 7 0,0 1 0,0 11 0,0 8 0,0 8 0,0 7 0,0 3 0,0 11 0,0-4 0,0 6 0,0-1 0,0 1 0,0 0 0,0 0 0,0-7 0,0 5 0,0-11 0,0 12 0,0-6 0,0 7 0,0 0 0,0-1 0,0 1 0,0 0 0,0 0 0,0-1 0,0 1 0,-6 5 0,-7 18 0,5-2 0,-4 14 0,12-11 0,0 0 0,0 1 0,0-1 0,0 0 0,0 0 0,0 0 0,0 0 0,0 0 0,0 0 0,0 0 0,0 1 0,0-1 0,0 0 0,0 0 0,0 0 0,0 0 0,0 0 0,0 0 0,0 0 0,0 1 0,0-1 0,0 0 0,0 0 0,0 0 0,0 0 0,0 0 0,0 0 0,0 0 0,0 1 0,0-1 0,0 0 0,0 0 0,0 0 0,0 0 0,0 0 0,0-39 0,0 12 0,0-34 0,0 28 0,0-3 0,0 10 0,0-11 0,-6 5 0,5 0 0,-11-5 0,10 5 0,-4 0 0,0-5 0,5 11 0,-5-5 0,6 7 0,0 0 0,0 0 0,0-1 0,0 1 0,0 0 0,0 0 0,0-1 0,0 1 0,5 5 0,21 2 0,5 5 0,25 0 0,-12 0 0,15 0 0,-6 0 0,8 0 0,0 0 0,-8 0 0,-2 0 0,-9 0 0,1 0 0,-1 6 0,-6-4 0,-3 4 0,-6-6 0,-7 0 0,4 6 0,-10-5 0,4 5 0,-6-6 0,1 0 0,-1 0 0,-6 6 0,0 6 0,-6 1 0,0 5 0,0-6 0,0-6 0,0 0 0</inkml:trace>
+  <inkml:trace contextRef="#ctx0" brushRef="#br0" timeOffset="140210.27">14013 7515 16383,'0'76'0,"0"-13"0,0-8 0,0 0 0,-8 23 0,5-22 0,-3 0 0,-19 38 0,7-9 0,5-17 0,0-1 0,-3 8 0,-2 3 0,-1 1 0,-9 2 0,7-24 0,-2 0 0,-9 15 0,11-21 0,0-2 0,-5 12 0,5-8 0,0 2 0,-4 11 0,4-15 0,0 0 0,-6 24 0,-12 14 0,14-17 0,-1 10 0,-5-1 0,13 0 0,-13 1 0,13-1 0,-12-8 0,12 6 0,-20 3 0,18-15 0,0-12 0,-1-2 0,-2-1 0,10-3 0,-1 0 0,-14 6 0,3 24 0,-7-6 0,1-1 0,-2 7 0,0 14 0,1-23 0,6 19 0,-3-27 0,2 31 0,2-24 0,13-20 0,-1 0 0,-11 36 0,11-37 0,-1 1 0,-3 3 0,-1 1 0,5-2 0,-1-1 0,-2 4 0,0-3 0,-3 29 0,2-14 0,-1-2 0,1 0 0,4-9 0,-1 2 0,-10 25 0,6 2 0,-6-2 0,8-12 0,1-17 0,1-9 0,0-11 0,7-13 0,1-1 0,1-7 0,3 0 0,-16-46 0,15 2 0,-10-35 0,-2-11 0,3 1 0,0 22 0,-1-5 0,3-5 0,1 1 0,4 13 0,0 0 0,-4-17 0,1 3 0,6-13 0,-13-15 0,13 23 0,-4 24 0,6 4 0,0 22 0,-6 1 0,5 62 0,-5-24 0,6 52 0,0-36 0,0 35 0,7-20 0,1 37 0,7-32 0,-6 7 0,4-11 0,-11-16 0,4-2 0,-6-13 0,5-1 0,-3-7 0,3 0 0,1 6 0,-5 2 0,5 14 0,0-6 0,-4 5 0,3-13 0,1 5 0,-4-11 0,3 4 0,-5-6 0,0 0 0,0 1 0,6-7 0,-5 5 0,5-4 0,-6 5 0,5 6 0,-3 2 0,4 7 0,-6-7 0,0-2 0,0-6 0,0 0 0,0 0 0,0 0 0,24-45 0,1 16 0,33-48 0,4 33 0,13-8 0,-1 0 0,-4 13 0,2-18 0,-9 25 0,17-18 0,-17 21 0,-1-5 0,-12 1 0,-20 11 0,9-9 0,-17 12 0,5-1 0,-9 2 0,-6 6 0,0 0 0,-5 0 0,-2 0 0</inkml:trace>
+  <inkml:trace contextRef="#ctx0" brushRef="#br0" timeOffset="144782.27">15889 7560 16383,'0'87'0,"0"4"0,0-36 0,0 22 0,14-22 0,-4 15 0,5-9 0,7 9 0,-12-7 0,13 17 0,-8-25 0,1 22 0,8 8 0,-6-16 0,-6-15 0,2 0 0,10 34 0,-6-9 0,-6-29 0,1-2 0,10 17 0,-5 16 0,5-9 0,-8-2 0,6-17 0,-4 6 0,3-14 0,-4 14 0,6 3 0,2 1 0,1 16 0,5-7 0,2 10 0,-5-10 0,10-2 0,-20-9 0,4-8 0,-7-9 0,0-11 0,-1-13 0,-1-1 0,-5-7 0,4 0 0,-3 22 0,6 5 0,1 22 0,7 0 0,-5 0 0,13 19 0,-4 5 0,7-1 0,-8-12 0,-2 6 0,-9-28 0,1 12 0,-1-28 0,-1-8 0,1 8 0,0 9 0,1 10 0,-1 0 0,1-2 0,0 8 0,-2-11 0,-1 1 0,7 41 0,-6-40 0,-1-3 0,3 13 0,9 10 0,-8-21 0,7 14 0,-10-30 0,1-6 0,0 23 0,0-10 0,1 13 0,-1-13 0,-1-4 0,11 45 0,-6-21 0,6 23 0,-3-33 0,-6-7 0,6 0 0,-7-8 0,-1-8 0,0-2 0,-6-11 0,-2 4 0,-5-6 0,6-5 0,-5 4 0,11 9 0,-11 2 0,12 11 0,-6-7 0,0 1 0,6 14 0,-6-10 0,1 10 0,4-14 0,-10-7 0,3 4 0,1-10 0,-5 4 0,5-6 0,-6 1 0,5-7 0,-35-32 0,15 6 0,-32-33 0,20 17 0,5 1 0,-4 1 0,12 14 0,-5 1 0,12 7 0,-4 0 0,-17-9 0,-5-8 0,-18-2 0,14 1 0,4 5 0,-43-27 0,22 15 0,-25-15 0,30 24 0,14 7 0,-1 5 0,9-2 0,8 16 0,7-9 0,0 10 0,5-10 0,-4 10 0,-2-11 0,-7-1 0,-6-2 0,-1-4 0,1 6 0,6 6 0,1-5 0,7 6 0,0-1 0,39 18 0,-12-1 0,27 14 0,-24-11 0,-5-1 0,5 6 0,2-3 0,0 3 0,5-5 0,-12-1 0,6 1 0,-7-1 0,0 0 0,0 0 0,0 0 0,0 0 0,0 1 0,0-7 0,1 5 0,-1-10 0,0 10 0,-6-4 0,5 5 0,-4 0 0,5-5 0,14 11 0,3-3 0,0 7 0,10 4 0,-17-6 0,11 7 0,-6-6 0,-7-3 0,-2-5 0,-6-1 0,0 0 0,0-5 0,0-2 0,-5 1 0,4 0 0,2 7 0,7 5 0,23 20 0,-12-7 0,28 14 0,-20-10 0,13 4 0,-15-2 0,-2-7 0,-9-12 0,-6-5 0,-1 0 0,-7-1 0,0-5 0,-5 3 0,-2-32 0,-5 10 0,0-33 0,7-8 0,1 6 0,8-21 0,0-4 0,-1 6 0,2-24 0,-2 18 0,8-1 0,-6 3 0,5 9 0,-7 8 0,-1 9 0,0 11 0,-7 13 0,-1 1 0,-1 7 0,-4 0 0,5-1 0,-6 1 0,5 5 0,-3-4 0,9-2 0,-10-7 0,10 0 0,-9 1 0,9 1 0,-3-18 0,0 6 0,4-12 0,-4 16 0,-1 6 0,4 1 0,-10 7 0,5 0 0,-6-1 0,0 1 0,0-6 0,0 15 0,0-2 0</inkml:trace>
+  <inkml:trace contextRef="#ctx0" brushRef="#br0" timeOffset="-165586.46">13501 7316 16383,'-25'0'0,"1"5"0,12-3 0,0 8 0,-7-8 0,6 8 0,-6-3 0,7 0 0,0 4 0,-1-10 0,1 10 0,0-10 0,-1 10 0,1-4 0,0-1 0,-7 6 0,6-11 0,-6 10 0,7-4 0,0 0 0,-1-2 0,6 0 0,-3-3 0,3 9 0,-5-10 0,-7 10 0,5-4 0,-4 6 0,5-7 0,-12 6 0,9-5 0,-10 6 0,8-1 0,4 1 0,-18 0 0,16-1 0,-16 2 0,12-1 0,0-1 0,1 1 0,7-6 0,-14 4 0,10-4 0,-16 7 0,18-7 0,-10 4 0,-4-3 0,0 5 0,-13 1 0,13-6 0,-6 4 0,14-11 0,1 10 0,-6-3 0,3 5 0,-12-5 0,8 3 0,-1-3 0,7-1 0,-5 5 0,-2-5 0,-1 7 0,-6-1 0,8 0 0,5-5 0,3 3 0,6-10 0,-1 10 0,-12-3 0,9 4 0,-16 1 0,18 0 0,-26 1 0,16-2 0,-18 2 0,16 0 0,-8 5 0,-10 4 0,13-2 0,-17 1 0,26-4 0,-5-3 0,-13 11 0,16-11 0,-18 6 0,16-8 0,-16 8 0,4 1 0,-5 0 0,2 5 0,12-12 0,-20 12 0,4-4 0,-1 0 0,-3-2 0,21-8 0,-6 1 0,-8 7 0,5-6 0,-7 6 0,3-7 0,13-1 0,-13 1 0,5 0 0,1 0 0,1-1 0,8 1 0,6-2 0,1 1 0,-7 0 0,4 0 0,-19 1 0,13-1 0,-30 9 0,10 1 0,-14 1 0,11-2 0,-9 0 0,-25 4 0,7 6 0,-13-5 0,30-5 0,4-4 0,-2-1 0,-25 4 0,25 1 0,0-1 0,-20-4 0,32 2 0,0 2 0,-1-2 0,-1-1 0,1 0 0,0 1 0,-32 19 0,10-13 0,12 1 0,-2 1 0,13-8 0,1 0 0,-8 7 0,-2 1 0,-6-4 0,1-2 0,13-3 0,-1 0 0,-12 5 0,-1-1 0,10-8 0,4-1 0,-16 16 0,2-12 0,11 4 0,16-7 0,7-1 0,-4 0 0,-14 1 0,-1 1 0,-13 0 0,17-1 0,0 0 0,-27 2 0,28-2 0,-26 1 0,32-1 0,1 0 0,8-1 0,2 0 0,5 5 0,-7-3 0,1 4 0,5 0 0,2-5 0,0 5 0,-18 9 0,6-5 0,-12 14 0,9-10 0,12-7 0,-27 16 0,17-13 0,-13 8 0,11-6 0,8-4 0,-8 0 0,-12 14 0,1-17 0,-8 18 0,18-15 0,-6 0 0,-25 25 0,23-25 0,-20 19 0,29-21 0,6 2 0,-40 18 0,25-16 0,-27 8 0,28-10 0,-1 1 0,-38 18 0,29-15 0,-22 7 0,33-12 0,6-5 0,-1 5 0,-22 10 0,18-13 0,-13 18 0,20-20 0,-1 5 0,12-7 0,-4 0 0,8-1 0,9 0 0,-8 1 0,10-6 0,-5 4 0,-22-3 0,3 11 0,-13-3 0,3 4 0,13-6 0,-6-1 0,-9 16 0,12-12 0,-20 13 0,29-17 0,-10 0 0,18-1 0,-4 1 0,11-1 0,-4-5 0,10-29 0,-5 10 0,12-23 0,-5 23 0,10 5 0,-10-10 0,10 3 0,-4-13 0,7 1 0,-1-1 0,1-15 0,6 5 0,-4-7 0,10 3 0,-11 13 0,5-6 0,-7 14 0,-1 2 0,0 6 0,-5-1 0,4 6 0,-10-3 0,10 3 0,-10-5 0,5-1 0,-1 1 0,-4 0 0,5-1 0,-1 7 0,-4-5 0,10 4 0,-4 0 0,0-4 0,3 4 0,-2-11 0,4 4 0,0-4 0,8-8 0,-6 10 0,11-10 0,-11 7 0,5 5 0,-7-5 0,1 7 0,-1 0 0,0 5 0,0 2 0,-16 26 0,6-10 0,-18 17 0,9-9 0,-7 8 0,-5 1 0,4 13 0,-5-13 0,7 5 0,-1-7 0,2-6 0,4-1 0,-3-1 0,9-4 0,-9 4 0,10-6 0,-5 1 0,-5-1 0,2 7 0,-10 1 0,11 6 0,-3-6 0,4 5 0,0-11 0,-13 26 0,11-16 0,-6 11 0,3-3 0,4-10 0,0 5 0,-4-2 0,11-12 0,-5 6 0,1-7 0,3 0 0,-3 0 0,5 0 0,-6 0 0,0 0 0,-1 7 0,-4-5 0,9 4 0,-8-6 0,8 0 0,-3 0 0,10-5 0,19-7 0,-1-1 0,21-5 0,-1 6 0,29 0 0,-6 0 0,-11 0 0,0 0 0,5 0 0,-6 0 0,0 0 0,13 0 0,15 0 0,-11 7 0,-19-5 0,-8 10 0,-11-10 0,-13 3 0,-1-5 0,-7 6 0,0-5 0,0 5 0,-5-1 0,-2 2 0</inkml:trace>
+  <inkml:trace contextRef="#ctx0" brushRef="#br0" timeOffset="-162936.46">2851 12403 16383,'-36'51'0,"-14"22"0,6-5 0,8 0 0,-7-9 0,2 20 0,-3-24 0,17-8 0,4-3 0,8-14 0,-6 19 0,13-27 0,-3 3 0,9-12 0,-3-1 0,-1 0 0,-7 6 0,-1-4 0,-5 11 0,1-5 0,-4 13 0,-5 2 0,5 1 0,-4-9 0,11-2 0,-10-10 0,11 10 0,-12 2 0,5 1 0,-6 6 0,6-8 0,-12 9 0,0 11 0,-5-7 0,2 4 0,9-16 0,7-1 0,1-6 0,6-2 0,7-6 0,-5 1 0,9-1 0,-9-6 0,10 5 0,-10-4 0,4 5 0,-5 6 0,5-4 0,-5 4 0,6-5 0,-1-1 0,-4 0 0,10 0 0,-5-38 0,6 4 0,0-42 0,0 19 0,0-14 0,0-3 0,0-11 0,0 1 0,0 1 0,0 19 0,0 8 0,0 3 0,0 19 0,0-4 0,0 14 0,0 0 0,0 48 0,0-12 0,0 43 0,0-31 0,0 22 0,0-1 0,0 7 0,0 4 0,0-24 0,0 0 0,0-17 0,0 5 0,0-16 0,0 9 0,0-13 0,0 1 0,0-1 0,0 0 0,0 0 0,0 14 0,0-5 0,0 13 0,0-8 0,0 0 0,0-6 0,0-1 0,0-7 0,0 0 0,16-27 0,-6 15 0,19-28 0,-2 20 0,1-5 0,13-1 0,-6 0 0,8 0 0,-1-1 0,-6 1 0,-3 7 0,-6-5 0,-7 10 0,-2-9 0,-6 10 0,0-5 0,0 1 0,0-2 0,1 0 0,-1-4 0,0 4 0,0 1 0,0-5 0,0 9 0,0-3 0,7-1 0,-6 5 0,6-11 0,-7 11 0,0-5 0,0 6 0,-5 0 0,-2 0 0</inkml:trace>
+  <inkml:trace contextRef="#ctx0" brushRef="#br0" timeOffset="-159964.46">4121 12319 16383,'0'95'0,"0"-12"0,0-28 0,0 2 0,15 7 0,-5-11 0,1 2 0,15 27 0,-7 11 0,-6-42 0,-11-7 0,11 15 0,13 24 0,-13-30 0,12 19 0,-19-39 0,-5-11 0,11 4 0,-4 8 0,6 5 0,0 7 0,-6-5 0,4-14 0,-4 6 0,5-11 0,1 25 0,6-16 0,-5 13 0,5-11 0,-7-6 0,1-1 0,-2-6 0,1-2 0,-1 1 0,2 8 0,-2-5 0,2 10 0,-7-19 0,4 6 0,-10-7 0,10 0 0,-10 0 0,5 0 0,-6 0 0,-6-5 0,-22-8 0,-12-1 0,-13-11 0,2 5 0,16 0 0,-56-24 0,43 19 0,-38-15 0,45 16 0,6 4 0,-1-6 0,9 6 0,9-3 0,5 9 0,6-9 0,-3 10 0,-4-10 0,-6 3 0,-6-5 0,-8 6 0,6-5 0,1 10 0,8-9 0,1 10 0,9-10 0,-8 9 0,53-3 0,-4 5 0,39 7 0,-10 8 0,9 9 0,3 1 0,-9 4 0,-4-13 0,-18 5 0,-6-8 0,-9 1 0,-9-7 0,-6 3 0,1-8 0,-1 3 0,0-5 0,0 0 0,0 0 0,0 6 0,0-5 0,0 4 0,0 1 0,1-5 0,-1 4 0,0-5 0,0 0 0,0 0 0,0 0 0,0 0 0,0 0 0,0 0 0,1-5 0,0-15 0,6-10 0,-4-5 0,13-14 0,-6 11 0,7-13 0,-1 9 0,-6 6 0,-2 2 0,-7 8 0,0 6 0,-1 1 0,0 13 0,-5-5 0,4 4 0,-4-12 0,6-1 0,0-13 0,8-11 0,1 6 0,0-3 0,4 7 0,-12 6 0,6 0 0,-7 3 0,-1 17 0,-5-9 0,-1 15 0,-6-3 0</inkml:trace>
+  <inkml:trace contextRef="#ctx0" brushRef="#br0" timeOffset="30429.54">15863 5872 16383,'41'-20'0,"-1"-2"0,4-14 0,-1 6 0,3-14 0,6 4 0,-4-6 0,15-10 0,-24 23 0,22-19 0,-13 11 0,17-10 0,-8-3 0,4 13 0,-14-3 0,4 13 0,-7-6 0,-8 3 0,5 10 0,-12-8 0,5 11 0,-8-6 0,8 0 0,-6 0 0,13-1 0,-6 0 0,0 1 0,6-1 0,-4-8 0,-2 7 0,8-7 0,-15 9 0,12-1 0,-11-6 0,22-5 0,-19 9 0,20-14 0,-24 21 0,15-13 0,2 0 0,0 5 0,18-16 0,-26 17 0,24-16 0,-23 16 0,16-15 0,-3 13 0,-3-12 0,4 5 0,0 0 0,-4-5 0,3 13 0,-6-13 0,-9 14 0,6-6 0,-14 10 0,6-2 0,-8 2 0,0 0 0,1 5 0,-1-4 0,-6 11 0,-2-5 0,-6 7 0,7-1 0,-6 1 0,6-1 0,-7 1 0,0-7 0,7 5 0,-5-5 0,4 7 0,1-1 0,-5 1 0,10-7 0,-10 5 0,11-5 0,-11 0 0,11 4 0,-5-10 0,14 4 0,-6-6 0,5 6 0,-7 2 0,1 0 0,-1 4 0,-6-4 0,-2 12 0,-6-4 0,1 10 0,-1-10 0,0 9 0,0-9 0,0 5 0,0-7 0,0 1 0,7-1 0,1 1 0,6-2 0,0 1 0,0-6 0,-6 10 0,5-9 0,-5 11 0,0-6 0,-2 6 0,-6 2 0,-5-1 0,4 5 0,-4-10 0,5 4 0,0-5 0,0 0 0,0-1 0,0 6 0,-5-3 0,4 3 0,-46 0 0,12 2 0,-45 5 0,23 0 0,-14 0 0,6 0 0,0 0 0,-6 6 0,14 2 0,-5 1 0,14 3 0,2-5 0,14 0 0,2 5 0,5-11 0,7 10 0,-5-10 0,4 10 0,-5-5 0,-7 7 0,-1 0 0,0-1 0,-5 1 0,11 0 0,-4-1 0,5 0 0,1 0 0,0 1 0,5-1 0,-4-6 0,40-29 0,-16 10 0,39-31 0,-17 29 0,16-13 0,-7 12 0,15-13 0,-14 13 0,6-5 0,-16 7 0,-1 6 0,-8-4 0,-6 11 0,-2-11 0,-6 11 0,14-11 0,-4 11 0,19-12 0,-13 5 0,5 1 0,-6-5 0,-7 5 0,4 0 0,-10 1 0,4 6 0,-6 0 0,-5 5 0,-1 8 0,-6 0 0,0 5 0,0-6 0,0 13 0,0-3 0,0 19 0,-7-6 0,6 1 0,-12-3 0,5 18 0,0-11 0,-6 28 0,6-24 0,-1 0 0,-3-11 0,11-7 0,-5-6 0,0-1 0,5-7 0,-5 0 0,6-5 0,0-2 0</inkml:trace>
+  <inkml:trace contextRef="#ctx0" brushRef="#br0" timeOffset="71618.54">6868 6651 16383,'-51'0'0,"-11"0"0,-2 0 0,2 0 0,3 0 0,6 0 0,-35 0 0,11 0 0,18 0 0,0 0 0,-27 0 0,-14 0 0,19 0 0,-1 0 0,10 0 0,1 0 0,18 0 0,3 0 0,14 0 0,9 0 0,2 0 0,11 0 0,-5 0 0,-6 0 0,-5 0 0,-12 0 0,-28 0 0,20 0 0,-28 7 0,25-6 0,-8 6 0,21-1 0,-7-5 0,18 4 0,0-5 0,3 0 0,13 0 0,1 0 0,-22 0 0,-5 0 0,-41 0 0,14 0 0,-24 0 0,18 0 0,-20-7 0,17 5 0,17-6 0,-7 1 0,39 5 0,-19-5 0,27 7 0,5 0 0,-5 0 0,-9 0 0,-17 0 0,-9-7 0,-17 5 0,-3-5 0,-8 0 0,8 5 0,-6-5 0,24 7 0,-5 0 0,24 0 0,9 0 0,8 0 0,1 0 0,-2 0 0,-7 0 0,-7 0 0,-1 0 0,0 0 0,-6 0 0,5 0 0,1 0 0,7 0 0,10 0 0,5 0 0,1 0 0,0 0 0,-7 0 0,6 0 0,-12 0 0,11 0 0,-5 0 0,7 0 0,0 0 0,0 0 0,39 0 0,-5 6 0,36 8 0,-14 16 0,9 10 0,3 7 0,-1-7 0,-1 5 0,-11-15 0,1 6 0,-9-14 0,-7-3 0,-4-6 0,-10-1 0,4 1 0,-6-1 0,-10-5 0,-29-26 0,2 1 0,-29-29 0,17 10 0,-9-9 0,9 9 0,8 8 0,-4-4 0,17 17 0,-11-11 0,14 14 0,1 1 0,0 5 0,-1 2 0,1 5 0,0-6 0,-7-1 0,6 0 0,-6-4 0,7 9 0,0-8 0,-1 8 0,1-9 0,11-2 0,2-1 0,26-5 0,2-1 0,23-11 0,1-1 0,19-15 0,1 6 0,-27 16 0,-1 0 0,22-15 0,20-8 0,-30 8 0,5 0 0,-9 2 0,-11 16 0,-13 2 0,-3 7 0,-14 7 0,0 0 0,0 6 0,0 0 0</inkml:trace>
+  <inkml:trace contextRef="#ctx0" brushRef="#br0" timeOffset="-169573.649">13706 5878 16383,'-48'-14'0,"-10"-15"0,-4-5 0,14 4 0,-2-2 0,6 6 0,0 0 0,-14-5 0,0-1 0,9 1 0,1 2 0,-4 1 0,0 1 0,0-3 0,-3-2 0,-30-13 0,-3-1 0,7 2 0,0 1 0,-4-1 0,-3-2 0,27 13 0,-1-2 0,4 4 0,-6 0 0,1 1 0,-1-4 0,-2-2 0,7 3 0,-3-2 0,7 5 0,-34-13 0,29 11 0,-9-4 0,7 4 0,10 7 0,1 3 0,-18-7 0,-2 0 0,13 3 0,1 1 0,4 2 0,0 1 0,-10-5 0,0-1 0,4 2 0,0-2 0,-11-4 0,-1-1 0,0 0 0,-1-2 0,-3-4 0,3 1 0,15 9 0,3 1 0,-6-8 0,3 1 0,-18-1 0,31 7 0,1 0 0,-20-4 0,10 2 0,24 11 0,3 7 0,14 6 0,5-4 0,-4 10 0,-2-10 0,-14-4 0,-8-6 0,-16-9 0,-11-8 0,14 14 0,-19-13 0,30 15 0,-7-1 0,10 3 0,14 7 0,2 6 0,5-4 0,-12 10 0,-5-17 0,-5 14 0,1-20 0,-17 7 0,19-5 0,-26 0 0,29 9 0,-4-1 0,6 1 0,7 5 0,7-3 0,2 9 0,4-3 0,-5 5 0,0-5 0,-7 3 0,6-9 0,-6 10 0,12-10 0,-4 10 0,4-5 0,19 37 0,16 5 0,27 31 0,3 5 0,-21-37 0,-2-1 0,9 29 0,27 2 0,-31-19 0,7 7 0,-11-9 0,-9-15 0,-6 3 0,-2-17 0,-6 3 0,-1-11 0,-6 4 0,-18-39 0,-5 7 0,-16-32 0,-14-9 0,15 22 0,-15-21 0,20 26 0,5-1 0,-4 8 0,12 3 0,-5 11 0,12-4 0,1 5 0,6 1 0,-5 0 0,-3-7 0,-10-1 0,3-6 0,-11-8 0,12 12 0,-13-17 0,13 17 0,-6-6 0,7 10 0,1 6 0,0-1 0,5 1 0,7 5 0,18 2 0,11 5 0,20 0 0,4 0 0,17 0 0,-7 0 0,7 0 0,-9 0 0,-8 0 0,-10 0 0,-2 0 0,-19 0 0,4 0 0,-14 0 0,0 0 0,0 0 0,0 0 0,0 0 0,6 0 0,-4 0 0,11 0 0,-5-6 0,0 4 0,-2-3 0,-6 5 0,0 0 0,1 0 0,-1 0 0,-6 0 0,0 0 0</inkml:trace>
+  <inkml:trace contextRef="#ctx0" brushRef="#br0" timeOffset="-165243.648">7749 2314 16383,'-44'-36'0,"-1"-2"0,7-7 0,3 8 0,-2-13 0,7 12 0,-9-23 0,12 23 0,-3-11 0,4 21 0,-4-21 0,4 18 0,-5-35 0,3 26 0,-2-12 0,2 11 0,-1-3 0,1-1 0,-11-16 0,9 29 0,-1-17 0,6 26 0,3-18 0,-4 13 0,-2 0 0,2 3 0,-1 5 0,1-7 0,0 1 0,5 6 0,-4-12 0,-3 9 0,-1-11 0,-5 7 0,8 0 0,-1 1 0,1-1 0,0 1 0,6 6 0,1-5 0,6 11 0,0 1 0,1 2 0,5 15 0,2 8 0,5 3 0,0 8 0,0-11 0,0 6 0,0 10 0,0 7 0,0 8 0,0 7 0,0 3 0,0 8 0,7 0 0,1 0 0,7 0 0,0 0 0,1 0 0,-2-8 0,-5-2 0,3-16 0,-5-1 0,6-14 0,-6 4 0,-2-10 0,1 4 0,0-11 0,1-30 0,-1-12 0,-6-20 0,0-4 0,0 6 0,0-17 0,0 7 0,0 1 0,0 11 0,0 8 0,0 8 0,0 7 0,0 3 0,0 11 0,0-4 0,0 6 0,0-1 0,0 1 0,0 0 0,0 0 0,0-7 0,0 5 0,0-11 0,0 12 0,0-6 0,0 7 0,0 0 0,0-1 0,0 1 0,0 0 0,0 0 0,0-1 0,0 1 0,-6 5 0,-7 18 0,5-2 0,-4 14 0,12-11 0,0 0 0,0 1 0,0-1 0,0 0 0,0 0 0,0 0 0,0 0 0,0 0 0,0 0 0,0 0 0,0 1 0,0-1 0,0 0 0,0 0 0,0 0 0,0 0 0,0 0 0,0 0 0,0 0 0,0 1 0,0-1 0,0 0 0,0 0 0,0 0 0,0 0 0,0 0 0,0 0 0,0 0 0,0 1 0,0-1 0,0 0 0,0 0 0,0 0 0,0 0 0,0 0 0,0-39 0,0 12 0,0-34 0,0 28 0,0-3 0,0 10 0,0-11 0,-6 5 0,5 0 0,-11-5 0,10 5 0,-4 0 0,0-5 0,5 11 0,-5-5 0,6 7 0,0 0 0,0 0 0,0-1 0,0 1 0,0 0 0,0 0 0,0-1 0,0 1 0,5 5 0,21 2 0,5 5 0,25 0 0,-12 0 0,15 0 0,-6 0 0,8 0 0,0 0 0,-8 0 0,-2 0 0,-9 0 0,1 0 0,-1 6 0,-6-4 0,-3 4 0,-6-6 0,-7 0 0,4 6 0,-10-5 0,4 5 0,-6-6 0,1 0 0,-1 0 0,-6 6 0,0 6 0,-6 1 0,0 5 0,0-6 0,0-6 0,0 0 0</inkml:trace>
 </inkml:ink>
 </file>
 
@@ -426,7 +426,7 @@
           <a:p>
             <a:fld id="{7A3BB4A2-0A31-8440-A178-3D70B69AF794}" type="datetimeFigureOut">
               <a:rPr lang="en-US" smtClean="0"/>
-              <a:t>5/31/19</a:t>
+              <a:t>6/1/19</a:t>
             </a:fld>
             <a:endParaRPr lang="en-US"/>
           </a:p>
@@ -624,7 +624,7 @@
           <a:p>
             <a:fld id="{7A3BB4A2-0A31-8440-A178-3D70B69AF794}" type="datetimeFigureOut">
               <a:rPr lang="en-US" smtClean="0"/>
-              <a:t>5/31/19</a:t>
+              <a:t>6/1/19</a:t>
             </a:fld>
             <a:endParaRPr lang="en-US"/>
           </a:p>
@@ -832,7 +832,7 @@
           <a:p>
             <a:fld id="{7A3BB4A2-0A31-8440-A178-3D70B69AF794}" type="datetimeFigureOut">
               <a:rPr lang="en-US" smtClean="0"/>
-              <a:t>5/31/19</a:t>
+              <a:t>6/1/19</a:t>
             </a:fld>
             <a:endParaRPr lang="en-US"/>
           </a:p>
@@ -1030,7 +1030,7 @@
           <a:p>
             <a:fld id="{7A3BB4A2-0A31-8440-A178-3D70B69AF794}" type="datetimeFigureOut">
               <a:rPr lang="en-US" smtClean="0"/>
-              <a:t>5/31/19</a:t>
+              <a:t>6/1/19</a:t>
             </a:fld>
             <a:endParaRPr lang="en-US"/>
           </a:p>
@@ -1305,7 +1305,7 @@
           <a:p>
             <a:fld id="{7A3BB4A2-0A31-8440-A178-3D70B69AF794}" type="datetimeFigureOut">
               <a:rPr lang="en-US" smtClean="0"/>
-              <a:t>5/31/19</a:t>
+              <a:t>6/1/19</a:t>
             </a:fld>
             <a:endParaRPr lang="en-US"/>
           </a:p>
@@ -1570,7 +1570,7 @@
           <a:p>
             <a:fld id="{7A3BB4A2-0A31-8440-A178-3D70B69AF794}" type="datetimeFigureOut">
               <a:rPr lang="en-US" smtClean="0"/>
-              <a:t>5/31/19</a:t>
+              <a:t>6/1/19</a:t>
             </a:fld>
             <a:endParaRPr lang="en-US"/>
           </a:p>
@@ -1982,7 +1982,7 @@
           <a:p>
             <a:fld id="{7A3BB4A2-0A31-8440-A178-3D70B69AF794}" type="datetimeFigureOut">
               <a:rPr lang="en-US" smtClean="0"/>
-              <a:t>5/31/19</a:t>
+              <a:t>6/1/19</a:t>
             </a:fld>
             <a:endParaRPr lang="en-US"/>
           </a:p>
@@ -2123,7 +2123,7 @@
           <a:p>
             <a:fld id="{7A3BB4A2-0A31-8440-A178-3D70B69AF794}" type="datetimeFigureOut">
               <a:rPr lang="en-US" smtClean="0"/>
-              <a:t>5/31/19</a:t>
+              <a:t>6/1/19</a:t>
             </a:fld>
             <a:endParaRPr lang="en-US"/>
           </a:p>
@@ -2236,7 +2236,7 @@
           <a:p>
             <a:fld id="{7A3BB4A2-0A31-8440-A178-3D70B69AF794}" type="datetimeFigureOut">
               <a:rPr lang="en-US" smtClean="0"/>
-              <a:t>5/31/19</a:t>
+              <a:t>6/1/19</a:t>
             </a:fld>
             <a:endParaRPr lang="en-US"/>
           </a:p>
@@ -2547,7 +2547,7 @@
           <a:p>
             <a:fld id="{7A3BB4A2-0A31-8440-A178-3D70B69AF794}" type="datetimeFigureOut">
               <a:rPr lang="en-US" smtClean="0"/>
-              <a:t>5/31/19</a:t>
+              <a:t>6/1/19</a:t>
             </a:fld>
             <a:endParaRPr lang="en-US"/>
           </a:p>
@@ -2835,7 +2835,7 @@
           <a:p>
             <a:fld id="{7A3BB4A2-0A31-8440-A178-3D70B69AF794}" type="datetimeFigureOut">
               <a:rPr lang="en-US" smtClean="0"/>
-              <a:t>5/31/19</a:t>
+              <a:t>6/1/19</a:t>
             </a:fld>
             <a:endParaRPr lang="en-US"/>
           </a:p>
@@ -3076,7 +3076,7 @@
           <a:p>
             <a:fld id="{7A3BB4A2-0A31-8440-A178-3D70B69AF794}" type="datetimeFigureOut">
               <a:rPr lang="en-US" smtClean="0"/>
-              <a:t>5/31/19</a:t>
+              <a:t>6/1/19</a:t>
             </a:fld>
             <a:endParaRPr lang="en-US"/>
           </a:p>
@@ -27809,8 +27809,8 @@
           </a:p>
         </p:txBody>
       </p:sp>
-      <mc:AlternateContent xmlns:mc="http://schemas.openxmlformats.org/markup-compatibility/2006">
-        <mc:Choice xmlns:p14="http://schemas.microsoft.com/office/powerpoint/2010/main" Requires="p14">
+      <mc:AlternateContent xmlns:mc="http://schemas.openxmlformats.org/markup-compatibility/2006" xmlns:p14="http://schemas.microsoft.com/office/powerpoint/2010/main">
+        <mc:Choice Requires="p14">
           <p:contentPart p14:bwMode="auto" r:id="rId2">
             <p14:nvContentPartPr>
               <p14:cNvPr id="3" name="Ink 2">
@@ -27829,7 +27829,7 @@
             </p14:xfrm>
           </p:contentPart>
         </mc:Choice>
-        <mc:Fallback>
+        <mc:Fallback xmlns="">
           <p:pic>
             <p:nvPicPr>
               <p:cNvPr id="3" name="Ink 2">
@@ -28904,8 +28904,8 @@
           </a:p>
         </p:txBody>
       </p:sp>
-      <mc:AlternateContent xmlns:mc="http://schemas.openxmlformats.org/markup-compatibility/2006">
-        <mc:Choice xmlns:p14="http://schemas.microsoft.com/office/powerpoint/2010/main" xmlns:aink="http://schemas.microsoft.com/office/drawing/2016/ink" Requires="p14 aink">
+      <mc:AlternateContent xmlns:mc="http://schemas.openxmlformats.org/markup-compatibility/2006" xmlns:p14="http://schemas.microsoft.com/office/powerpoint/2010/main" xmlns:aink="http://schemas.microsoft.com/office/drawing/2016/ink">
+        <mc:Choice Requires="p14 aink">
           <p:contentPart p14:bwMode="auto" r:id="rId4">
             <p14:nvContentPartPr>
               <p14:cNvPr id="64" name="Ink 63">
@@ -28924,7 +28924,7 @@
             </p14:xfrm>
           </p:contentPart>
         </mc:Choice>
-        <mc:Fallback>
+        <mc:Fallback xmlns="">
           <p:pic>
             <p:nvPicPr>
               <p:cNvPr id="64" name="Ink 63">
@@ -29099,8 +29099,8 @@
           </a:p>
         </p:txBody>
       </p:sp>
-      <mc:AlternateContent xmlns:mc="http://schemas.openxmlformats.org/markup-compatibility/2006">
-        <mc:Choice xmlns:p14="http://schemas.microsoft.com/office/powerpoint/2010/main" xmlns:aink="http://schemas.microsoft.com/office/drawing/2016/ink" Requires="p14 aink">
+      <mc:AlternateContent xmlns:mc="http://schemas.openxmlformats.org/markup-compatibility/2006" xmlns:p14="http://schemas.microsoft.com/office/powerpoint/2010/main" xmlns:aink="http://schemas.microsoft.com/office/drawing/2016/ink">
+        <mc:Choice Requires="p14 aink">
           <p:contentPart p14:bwMode="auto" r:id="rId6">
             <p14:nvContentPartPr>
               <p14:cNvPr id="75" name="Ink 74">
@@ -29119,7 +29119,7 @@
             </p14:xfrm>
           </p:contentPart>
         </mc:Choice>
-        <mc:Fallback>
+        <mc:Fallback xmlns="">
           <p:pic>
             <p:nvPicPr>
               <p:cNvPr id="75" name="Ink 74">
@@ -29266,8 +29266,8 @@
           </a:p>
         </p:txBody>
       </p:sp>
-      <mc:AlternateContent xmlns:mc="http://schemas.openxmlformats.org/markup-compatibility/2006">
-        <mc:Choice xmlns:p14="http://schemas.microsoft.com/office/powerpoint/2010/main" xmlns:aink="http://schemas.microsoft.com/office/drawing/2016/ink" Requires="p14 aink">
+      <mc:AlternateContent xmlns:mc="http://schemas.openxmlformats.org/markup-compatibility/2006" xmlns:p14="http://schemas.microsoft.com/office/powerpoint/2010/main" xmlns:aink="http://schemas.microsoft.com/office/drawing/2016/ink">
+        <mc:Choice Requires="p14 aink">
           <p:contentPart p14:bwMode="auto" r:id="rId8">
             <p14:nvContentPartPr>
               <p14:cNvPr id="85" name="Ink 84">
@@ -29286,7 +29286,7 @@
             </p14:xfrm>
           </p:contentPart>
         </mc:Choice>
-        <mc:Fallback>
+        <mc:Fallback xmlns="">
           <p:pic>
             <p:nvPicPr>
               <p:cNvPr id="85" name="Ink 84">
@@ -36594,7 +36594,7 @@
                 <a:latin typeface="HYZhengYuan 35W" pitchFamily="18" charset="-122"/>
                 <a:ea typeface="HYZhengYuan 35W" pitchFamily="18" charset="-122"/>
               </a:rPr>
-              <a:t>访知乎应用</a:t>
+              <a:t>仿知乎应用</a:t>
             </a:r>
             <a:r>
               <a:rPr lang="en-US" altLang="zh-CN" dirty="0">
@@ -36769,7 +36769,7 @@
                 <a:latin typeface="HYZhengYuan 35W" pitchFamily="18" charset="-122"/>
                 <a:ea typeface="HYZhengYuan 35W" pitchFamily="18" charset="-122"/>
               </a:rPr>
-              <a:t>四大</a:t>
+              <a:t>七大</a:t>
             </a:r>
             <a:r>
               <a:rPr kumimoji="0" lang="ja-JP" altLang="en-US" sz="1800" b="0" i="0" u="none" strike="noStrike" kern="1200" cap="none" spc="0" normalizeH="0" baseline="0" noProof="0">
@@ -36914,6 +36914,66 @@
                 <a:ea typeface="HYZhengYuan 35W" pitchFamily="18" charset="-122"/>
               </a:rPr>
               <a:t>图片</a:t>
+            </a:r>
+            <a:r>
+              <a:rPr lang="zh-CN" altLang="en-US" dirty="0">
+                <a:solidFill>
+                  <a:prstClr val="white"/>
+                </a:solidFill>
+                <a:latin typeface="HYZhengYuan 35W" pitchFamily="18" charset="-122"/>
+                <a:ea typeface="HYZhengYuan 35W" pitchFamily="18" charset="-122"/>
+              </a:rPr>
+              <a:t>、</a:t>
+            </a:r>
+            <a:r>
+              <a:rPr lang="ja-JP" altLang="en-US">
+                <a:solidFill>
+                  <a:prstClr val="white"/>
+                </a:solidFill>
+                <a:latin typeface="HYZhengYuan 35W" pitchFamily="18" charset="-122"/>
+                <a:ea typeface="HYZhengYuan 35W" pitchFamily="18" charset="-122"/>
+              </a:rPr>
+              <a:t>页面跳转</a:t>
+            </a:r>
+            <a:r>
+              <a:rPr lang="zh-CN" altLang="en-US" dirty="0">
+                <a:solidFill>
+                  <a:prstClr val="white"/>
+                </a:solidFill>
+                <a:latin typeface="HYZhengYuan 35W" pitchFamily="18" charset="-122"/>
+                <a:ea typeface="HYZhengYuan 35W" pitchFamily="18" charset="-122"/>
+              </a:rPr>
+              <a:t>、</a:t>
+            </a:r>
+            <a:r>
+              <a:rPr lang="ja-JP" altLang="en-US">
+                <a:solidFill>
+                  <a:prstClr val="white"/>
+                </a:solidFill>
+                <a:latin typeface="HYZhengYuan 35W" pitchFamily="18" charset="-122"/>
+                <a:ea typeface="HYZhengYuan 35W" pitchFamily="18" charset="-122"/>
+              </a:rPr>
+              <a:t>文字</a:t>
+            </a:r>
+            <a:r>
+              <a:rPr lang="zh-CN" altLang="en-US" dirty="0">
+                <a:solidFill>
+                  <a:prstClr val="white"/>
+                </a:solidFill>
+                <a:latin typeface="HYZhengYuan 35W" pitchFamily="18" charset="-122"/>
+                <a:ea typeface="HYZhengYuan 35W" pitchFamily="18" charset="-122"/>
+              </a:rPr>
+              <a:t>、</a:t>
+            </a:r>
+            <a:r>
+              <a:rPr lang="ja-JP" altLang="en-US">
+                <a:solidFill>
+                  <a:prstClr val="white"/>
+                </a:solidFill>
+                <a:latin typeface="HYZhengYuan 35W" pitchFamily="18" charset="-122"/>
+                <a:ea typeface="HYZhengYuan 35W" pitchFamily="18" charset="-122"/>
+              </a:rPr>
+              <a:t>图标</a:t>
             </a:r>
             <a:endParaRPr kumimoji="0" lang="en-US" altLang="zh-CN" sz="1800" b="0" i="0" u="none" strike="noStrike" kern="1200" cap="none" spc="0" normalizeH="0" baseline="0" noProof="0" dirty="0">
               <a:ln>
